--- a/OBM Powerpoint template UK.pptx
+++ b/OBM Powerpoint template UK.pptx
@@ -7,7 +7,12 @@
   <p:sldIdLst>
     <p:sldId id="259" r:id="rId2"/>
     <p:sldId id="257" r:id="rId3"/>
-    <p:sldId id="261" r:id="rId4"/>
+    <p:sldId id="265" r:id="rId4"/>
+    <p:sldId id="266" r:id="rId5"/>
+    <p:sldId id="263" r:id="rId6"/>
+    <p:sldId id="264" r:id="rId7"/>
+    <p:sldId id="262" r:id="rId8"/>
+    <p:sldId id="261" r:id="rId9"/>
   </p:sldIdLst>
   <p:sldSz cx="12192000" cy="6858000"/>
   <p:notesSz cx="6858000" cy="9144000"/>
@@ -106,6 +111,11 @@
       </a:defRPr>
     </a:lvl9pPr>
   </p:defaultTextStyle>
+  <p:extLst>
+    <p:ext uri="{EFAFB233-063F-42B5-8137-9DF3F51BA10A}">
+      <p15:sldGuideLst xmlns:p15="http://schemas.microsoft.com/office/powerpoint/2012/main"/>
+    </p:ext>
+  </p:extLst>
 </p:presentation>
 </file>
 
@@ -138,21 +148,25 @@
         </p:nvSpPr>
         <p:spPr>
           <a:xfrm>
-            <a:off x="1524000" y="2470245"/>
-            <a:ext cx="9144000" cy="1039718"/>
+            <a:off x="797442" y="2186624"/>
+            <a:ext cx="10597116" cy="1039718"/>
           </a:xfrm>
         </p:spPr>
         <p:txBody>
           <a:bodyPr anchor="b"/>
           <a:lstStyle>
             <a:lvl1pPr algn="ctr">
-              <a:defRPr sz="6000" b="1" baseline="0"/>
+              <a:defRPr sz="6000" b="1" baseline="0">
+                <a:solidFill>
+                  <a:srgbClr val="1B71B8"/>
+                </a:solidFill>
+              </a:defRPr>
             </a:lvl1pPr>
           </a:lstStyle>
           <a:p>
             <a:r>
               <a:rPr lang="en-US" dirty="0" smtClean="0"/>
-              <a:t>DOCUMENT TITLE</a:t>
+              <a:t>Document title</a:t>
             </a:r>
             <a:endParaRPr lang="fi-FI" dirty="0"/>
           </a:p>
@@ -170,8 +184,8 @@
         </p:nvSpPr>
         <p:spPr>
           <a:xfrm>
-            <a:off x="1524000" y="3602038"/>
-            <a:ext cx="9144000" cy="587825"/>
+            <a:off x="797442" y="3318417"/>
+            <a:ext cx="10597116" cy="587825"/>
           </a:xfrm>
         </p:spPr>
         <p:txBody>
@@ -179,7 +193,11 @@
           <a:lstStyle>
             <a:lvl1pPr marL="0" indent="0" algn="ctr">
               <a:buNone/>
-              <a:defRPr sz="2400"/>
+              <a:defRPr sz="2400">
+                <a:solidFill>
+                  <a:srgbClr val="1B71B8"/>
+                </a:solidFill>
+              </a:defRPr>
             </a:lvl1pPr>
             <a:lvl2pPr marL="457200" indent="0" algn="ctr">
               <a:buNone/>
@@ -217,78 +235,152 @@
           <a:p>
             <a:r>
               <a:rPr lang="en-US" dirty="0" smtClean="0"/>
-              <a:t>SUBTITLE</a:t>
+              <a:t>subtitle if exists</a:t>
             </a:r>
             <a:endParaRPr lang="fi-FI" dirty="0"/>
           </a:p>
         </p:txBody>
       </p:sp>
+      <p:sp>
+        <p:nvSpPr>
+          <p:cNvPr id="21" name="Text Placeholder 20"/>
+          <p:cNvSpPr>
+            <a:spLocks noGrp="1"/>
+          </p:cNvSpPr>
+          <p:nvPr>
+            <p:ph type="body" sz="quarter" idx="10" hasCustomPrompt="1"/>
+          </p:nvPr>
+        </p:nvSpPr>
+        <p:spPr>
+          <a:xfrm>
+            <a:off x="797442" y="4546619"/>
+            <a:ext cx="10597116" cy="975146"/>
+          </a:xfrm>
+        </p:spPr>
+        <p:txBody>
+          <a:bodyPr>
+            <a:normAutofit/>
+          </a:bodyPr>
+          <a:lstStyle>
+            <a:lvl1pPr marL="0" indent="0" algn="ctr">
+              <a:buNone/>
+              <a:defRPr sz="2400" i="1" baseline="0">
+                <a:solidFill>
+                  <a:srgbClr val="1B71B8"/>
+                </a:solidFill>
+              </a:defRPr>
+            </a:lvl1pPr>
+          </a:lstStyle>
+          <a:p>
+            <a:pPr lvl="0"/>
+            <a:r>
+              <a:rPr lang="fi-FI" dirty="0" smtClean="0"/>
+              <a:t>John </a:t>
+            </a:r>
+            <a:r>
+              <a:rPr lang="fi-FI" dirty="0" err="1" smtClean="0"/>
+              <a:t>Doe</a:t>
+            </a:r>
+            <a:r>
+              <a:rPr lang="fi-FI" dirty="0" smtClean="0"/>
+              <a:t>, </a:t>
+            </a:r>
+            <a:r>
+              <a:rPr lang="fi-FI" dirty="0" err="1" smtClean="0"/>
+              <a:t>Example</a:t>
+            </a:r>
+            <a:r>
+              <a:rPr lang="fi-FI" dirty="0" smtClean="0"/>
+              <a:t> </a:t>
+            </a:r>
+            <a:r>
+              <a:rPr lang="fi-FI" dirty="0" err="1" smtClean="0"/>
+              <a:t>University</a:t>
+            </a:r>
+            <a:r>
+              <a:rPr lang="fi-FI" dirty="0" smtClean="0"/>
+              <a:t> of </a:t>
+            </a:r>
+            <a:r>
+              <a:rPr lang="fi-FI" dirty="0" err="1" smtClean="0"/>
+              <a:t>Applied</a:t>
+            </a:r>
+            <a:r>
+              <a:rPr lang="fi-FI" dirty="0" smtClean="0"/>
+              <a:t> Sciences,</a:t>
+            </a:r>
+          </a:p>
+          <a:p>
+            <a:pPr lvl="0"/>
+            <a:r>
+              <a:rPr lang="fi-FI" dirty="0" smtClean="0"/>
+              <a:t>1.1.2017</a:t>
+            </a:r>
+            <a:endParaRPr lang="fi-FI" dirty="0"/>
+          </a:p>
+        </p:txBody>
+      </p:sp>
+      <p:pic>
+        <p:nvPicPr>
+          <p:cNvPr id="17" name="Picture 16"/>
+          <p:cNvPicPr>
+            <a:picLocks noChangeAspect="1"/>
+          </p:cNvPicPr>
+          <p:nvPr userDrawn="1"/>
+        </p:nvPicPr>
+        <p:blipFill>
+          <a:blip r:embed="rId2" cstate="print">
+            <a:extLst>
+              <a:ext uri="{28A0092B-C50C-407E-A947-70E740481C1C}">
+                <a14:useLocalDpi xmlns:a14="http://schemas.microsoft.com/office/drawing/2010/main" val="0"/>
+              </a:ext>
+            </a:extLst>
+          </a:blip>
+          <a:stretch>
+            <a:fillRect/>
+          </a:stretch>
+        </p:blipFill>
+        <p:spPr>
+          <a:xfrm>
+            <a:off x="4286251" y="518757"/>
+            <a:ext cx="3619500" cy="1201674"/>
+          </a:xfrm>
+          <a:prstGeom prst="rect">
+            <a:avLst/>
+          </a:prstGeom>
+        </p:spPr>
+      </p:pic>
       <p:grpSp>
         <p:nvGrpSpPr>
-          <p:cNvPr id="7" name="Group 6"/>
+          <p:cNvPr id="16" name="Group 15"/>
           <p:cNvGrpSpPr/>
           <p:nvPr userDrawn="1"/>
         </p:nvGrpSpPr>
         <p:grpSpPr>
           <a:xfrm>
-            <a:off x="722630" y="6002655"/>
-            <a:ext cx="10859770" cy="668360"/>
-            <a:chOff x="722630" y="6002655"/>
-            <a:chExt cx="10859770" cy="668360"/>
+            <a:off x="797442" y="5858359"/>
+            <a:ext cx="10675020" cy="827023"/>
+            <a:chOff x="0" y="0"/>
+            <a:chExt cx="6106224" cy="473147"/>
           </a:xfrm>
         </p:grpSpPr>
         <p:grpSp>
           <p:nvGrpSpPr>
-            <p:cNvPr id="8" name="Group 7"/>
+            <p:cNvPr id="18" name="Group 17"/>
             <p:cNvGrpSpPr/>
             <p:nvPr userDrawn="1"/>
           </p:nvGrpSpPr>
           <p:grpSpPr>
             <a:xfrm>
-              <a:off x="722630" y="6002655"/>
-              <a:ext cx="6496050" cy="618490"/>
+              <a:off x="0" y="0"/>
+              <a:ext cx="2996085" cy="458088"/>
               <a:chOff x="0" y="0"/>
-              <a:chExt cx="6496050" cy="618490"/>
+              <a:chExt cx="5017942" cy="768350"/>
             </a:xfrm>
           </p:grpSpPr>
           <p:pic>
             <p:nvPicPr>
-              <p:cNvPr id="12" name="Picture 11"/>
-              <p:cNvPicPr>
-                <a:picLocks noChangeAspect="1"/>
-              </p:cNvPicPr>
-              <p:nvPr userDrawn="1"/>
-            </p:nvPicPr>
-            <p:blipFill>
-              <a:blip r:embed="rId2" cstate="print">
-                <a:extLst>
-                  <a:ext uri="{28A0092B-C50C-407E-A947-70E740481C1C}">
-                    <a14:useLocalDpi xmlns:a14="http://schemas.microsoft.com/office/drawing/2010/main" val="0"/>
-                  </a:ext>
-                </a:extLst>
-              </a:blip>
-              <a:srcRect/>
-              <a:stretch>
-                <a:fillRect/>
-              </a:stretch>
-            </p:blipFill>
-            <p:spPr bwMode="auto">
-              <a:xfrm>
-                <a:off x="4572000" y="138223"/>
-                <a:ext cx="1924050" cy="325120"/>
-              </a:xfrm>
-              <a:prstGeom prst="rect">
-                <a:avLst/>
-              </a:prstGeom>
-              <a:noFill/>
-              <a:ln>
-                <a:noFill/>
-              </a:ln>
-            </p:spPr>
-          </p:pic>
-          <p:pic>
-            <p:nvPicPr>
-              <p:cNvPr id="13" name="Picture 12" descr="C:\Users\marvola\AppData\Local\Microsoft\Windows\INetCache\Content.Word\kotikunnas_tunnus_lev5cm.jpg"/>
+              <p:cNvPr id="23" name="Picture 22" descr="https://upload.wikimedia.org/wikipedia/lv/thumb/5/5f/Logo_istais_LJA.png/220px-Logo_istais_LJA.png"/>
               <p:cNvPicPr>
                 <a:picLocks noChangeAspect="1"/>
               </p:cNvPicPr>
@@ -309,8 +401,8 @@
             </p:blipFill>
             <p:spPr bwMode="auto">
               <a:xfrm>
-                <a:off x="0" y="159488"/>
-                <a:ext cx="1800225" cy="400050"/>
+                <a:off x="1099524" y="22439"/>
+                <a:ext cx="526415" cy="641350"/>
               </a:xfrm>
               <a:prstGeom prst="rect">
                 <a:avLst/>
@@ -323,7 +415,7 @@
           </p:pic>
           <p:pic>
             <p:nvPicPr>
-              <p:cNvPr id="14" name="Picture 13" descr="C:\Users\marvola\AppData\Local\Microsoft\Windows\INetCache\Content.Word\TURKU_AMK_ENG_RGB.JPG"/>
+              <p:cNvPr id="24" name="Picture 23" descr="Kuvahaun tulos haulle turun amk"/>
               <p:cNvPicPr>
                 <a:picLocks noChangeAspect="1"/>
               </p:cNvPicPr>
@@ -344,8 +436,8 @@
             </p:blipFill>
             <p:spPr bwMode="auto">
               <a:xfrm>
-                <a:off x="3189767" y="0"/>
-                <a:ext cx="1110615" cy="618490"/>
+                <a:off x="1862459" y="0"/>
+                <a:ext cx="1379220" cy="768350"/>
               </a:xfrm>
               <a:prstGeom prst="rect">
                 <a:avLst/>
@@ -358,14 +450,14 @@
           </p:pic>
           <p:pic>
             <p:nvPicPr>
-              <p:cNvPr id="15" name="Picture 14" descr="C:\Users\marvola\AppData\Local\Microsoft\Windows\INetCache\Content.Word\venu_logo.jpg"/>
+              <p:cNvPr id="25" name="Picture 24" descr="Kuvahaun tulos haulle riga stradiņš university"/>
               <p:cNvPicPr>
                 <a:picLocks noChangeAspect="1"/>
               </p:cNvPicPr>
               <p:nvPr userDrawn="1"/>
             </p:nvPicPr>
             <p:blipFill>
-              <a:blip r:embed="rId5">
+              <a:blip r:embed="rId5" cstate="print">
                 <a:extLst>
                   <a:ext uri="{28A0092B-C50C-407E-A947-70E740481C1C}">
                     <a14:useLocalDpi xmlns:a14="http://schemas.microsoft.com/office/drawing/2010/main" val="0"/>
@@ -379,8 +471,8 @@
             </p:blipFill>
             <p:spPr bwMode="auto">
               <a:xfrm>
-                <a:off x="2339163" y="63795"/>
-                <a:ext cx="535940" cy="535940"/>
+                <a:off x="0" y="16829"/>
+                <a:ext cx="807085" cy="647700"/>
               </a:xfrm>
               <a:prstGeom prst="rect">
                 <a:avLst/>
@@ -391,31 +483,91 @@
               </a:ln>
             </p:spPr>
           </p:pic>
+          <p:pic>
+            <p:nvPicPr>
+              <p:cNvPr id="26" name="Picture 25"/>
+              <p:cNvPicPr>
+                <a:picLocks noChangeAspect="1"/>
+              </p:cNvPicPr>
+              <p:nvPr userDrawn="1"/>
+            </p:nvPicPr>
+            <p:blipFill>
+              <a:blip r:embed="rId6">
+                <a:extLst>
+                  <a:ext uri="{28A0092B-C50C-407E-A947-70E740481C1C}">
+                    <a14:useLocalDpi xmlns:a14="http://schemas.microsoft.com/office/drawing/2010/main" val="0"/>
+                  </a:ext>
+                </a:extLst>
+              </a:blip>
+              <a:stretch>
+                <a:fillRect/>
+              </a:stretch>
+            </p:blipFill>
+            <p:spPr>
+              <a:xfrm>
+                <a:off x="3450037" y="0"/>
+                <a:ext cx="499745" cy="649605"/>
+              </a:xfrm>
+              <a:prstGeom prst="rect">
+                <a:avLst/>
+              </a:prstGeom>
+            </p:spPr>
+          </p:pic>
+          <p:pic>
+            <p:nvPicPr>
+              <p:cNvPr id="27" name="Picture 26"/>
+              <p:cNvPicPr>
+                <a:picLocks noChangeAspect="1"/>
+              </p:cNvPicPr>
+              <p:nvPr userDrawn="1"/>
+            </p:nvPicPr>
+            <p:blipFill>
+              <a:blip r:embed="rId7" cstate="print">
+                <a:extLst>
+                  <a:ext uri="{28A0092B-C50C-407E-A947-70E740481C1C}">
+                    <a14:useLocalDpi xmlns:a14="http://schemas.microsoft.com/office/drawing/2010/main" val="0"/>
+                  </a:ext>
+                </a:extLst>
+              </a:blip>
+              <a:stretch>
+                <a:fillRect/>
+              </a:stretch>
+            </p:blipFill>
+            <p:spPr>
+              <a:xfrm>
+                <a:off x="4224192" y="0"/>
+                <a:ext cx="793750" cy="683895"/>
+              </a:xfrm>
+              <a:prstGeom prst="rect">
+                <a:avLst/>
+              </a:prstGeom>
+            </p:spPr>
+          </p:pic>
         </p:grpSp>
         <p:grpSp>
           <p:nvGrpSpPr>
-            <p:cNvPr id="9" name="Group 8"/>
+            <p:cNvPr id="19" name="Group 18"/>
             <p:cNvGrpSpPr/>
             <p:nvPr userDrawn="1"/>
           </p:nvGrpSpPr>
           <p:grpSpPr>
             <a:xfrm>
-              <a:off x="7764462" y="6121740"/>
-              <a:ext cx="3817938" cy="549275"/>
-              <a:chOff x="-80963" y="879475"/>
-              <a:chExt cx="3817938" cy="549275"/>
+              <a:off x="3313215" y="71252"/>
+              <a:ext cx="2793009" cy="401895"/>
+              <a:chOff x="0" y="0"/>
+              <a:chExt cx="3811938" cy="549275"/>
             </a:xfrm>
           </p:grpSpPr>
           <p:pic>
             <p:nvPicPr>
-              <p:cNvPr id="10" name="Picture 5" descr="EU flag horizontal RGB"/>
+              <p:cNvPr id="20" name="Picture 19" descr="EU flag horizontal RGB"/>
               <p:cNvPicPr>
-                <a:picLocks noChangeAspect="1" noChangeArrowheads="1"/>
+                <a:picLocks noChangeAspect="1"/>
               </p:cNvPicPr>
               <p:nvPr userDrawn="1"/>
             </p:nvPicPr>
             <p:blipFill>
-              <a:blip r:embed="rId6" cstate="print">
+              <a:blip r:embed="rId8" cstate="print">
                 <a:extLst>
                   <a:ext uri="{28A0092B-C50C-407E-A947-70E740481C1C}">
                     <a14:useLocalDpi xmlns:a14="http://schemas.microsoft.com/office/drawing/2010/main" val="0"/>
@@ -429,8 +581,8 @@
             </p:blipFill>
             <p:spPr bwMode="auto">
               <a:xfrm>
-                <a:off x="2228850" y="896938"/>
-                <a:ext cx="1508125" cy="411162"/>
+                <a:off x="2303813" y="23750"/>
+                <a:ext cx="1508125" cy="410845"/>
               </a:xfrm>
               <a:prstGeom prst="rect">
                 <a:avLst/>
@@ -449,14 +601,14 @@
           </p:pic>
           <p:pic>
             <p:nvPicPr>
-              <p:cNvPr id="11" name="Picture 4" descr="CB logo RGB"/>
+              <p:cNvPr id="22" name="Picture 21" descr="CB logo RGB"/>
               <p:cNvPicPr>
-                <a:picLocks noChangeAspect="1" noChangeArrowheads="1"/>
+                <a:picLocks noChangeAspect="1"/>
               </p:cNvPicPr>
               <p:nvPr userDrawn="1"/>
             </p:nvPicPr>
             <p:blipFill>
-              <a:blip r:embed="rId7" cstate="print">
+              <a:blip r:embed="rId9" cstate="print">
                 <a:extLst>
                   <a:ext uri="{28A0092B-C50C-407E-A947-70E740481C1C}">
                     <a14:useLocalDpi xmlns:a14="http://schemas.microsoft.com/office/drawing/2010/main" val="0"/>
@@ -470,8 +622,8 @@
             </p:blipFill>
             <p:spPr bwMode="auto">
               <a:xfrm>
-                <a:off x="-80963" y="879475"/>
-                <a:ext cx="1820863" cy="549275"/>
+                <a:off x="0" y="0"/>
+                <a:ext cx="1820545" cy="549275"/>
               </a:xfrm>
               <a:prstGeom prst="rect">
                 <a:avLst/>
@@ -490,83 +642,6 @@
           </p:pic>
         </p:grpSp>
       </p:grpSp>
-      <p:pic>
-        <p:nvPicPr>
-          <p:cNvPr id="16" name="Picture 15" descr="C:\Users\marvola\AppData\Local\Microsoft\Windows\INetCache\Content.Word\sippe.jpg"/>
-          <p:cNvPicPr/>
-          <p:nvPr userDrawn="1"/>
-        </p:nvPicPr>
-        <p:blipFill>
-          <a:blip r:embed="rId8">
-            <a:extLst>
-              <a:ext uri="{28A0092B-C50C-407E-A947-70E740481C1C}">
-                <a14:useLocalDpi xmlns:a14="http://schemas.microsoft.com/office/drawing/2010/main" val="0"/>
-              </a:ext>
-            </a:extLst>
-          </a:blip>
-          <a:srcRect/>
-          <a:stretch>
-            <a:fillRect/>
-          </a:stretch>
-        </p:blipFill>
-        <p:spPr bwMode="auto">
-          <a:xfrm>
-            <a:off x="4060708" y="263637"/>
-            <a:ext cx="4070584" cy="1673868"/>
-          </a:xfrm>
-          <a:prstGeom prst="rect">
-            <a:avLst/>
-          </a:prstGeom>
-          <a:noFill/>
-          <a:ln>
-            <a:noFill/>
-          </a:ln>
-        </p:spPr>
-      </p:pic>
-      <p:sp>
-        <p:nvSpPr>
-          <p:cNvPr id="21" name="Text Placeholder 20"/>
-          <p:cNvSpPr>
-            <a:spLocks noGrp="1"/>
-          </p:cNvSpPr>
-          <p:nvPr>
-            <p:ph type="body" sz="quarter" idx="10" hasCustomPrompt="1"/>
-          </p:nvPr>
-        </p:nvSpPr>
-        <p:spPr>
-          <a:xfrm>
-            <a:off x="1524000" y="4720804"/>
-            <a:ext cx="9144000" cy="631825"/>
-          </a:xfrm>
-        </p:spPr>
-        <p:txBody>
-          <a:bodyPr>
-            <a:normAutofit/>
-          </a:bodyPr>
-          <a:lstStyle>
-            <a:lvl1pPr marL="0" indent="0" algn="ctr">
-              <a:buNone/>
-              <a:defRPr sz="2400" i="1" baseline="0"/>
-            </a:lvl1pPr>
-          </a:lstStyle>
-          <a:p>
-            <a:pPr lvl="0"/>
-            <a:r>
-              <a:rPr lang="fi-FI" dirty="0" smtClean="0"/>
-              <a:t>John </a:t>
-            </a:r>
-            <a:r>
-              <a:rPr lang="fi-FI" dirty="0" err="1" smtClean="0"/>
-              <a:t>Doe</a:t>
-            </a:r>
-            <a:r>
-              <a:rPr lang="fi-FI" dirty="0" smtClean="0"/>
-              <a:t>, 1.1.2015</a:t>
-            </a:r>
-            <a:endParaRPr lang="fi-FI" dirty="0"/>
-          </a:p>
-        </p:txBody>
-      </p:sp>
     </p:spTree>
     <p:extLst>
       <p:ext uri="{BB962C8B-B14F-4D97-AF65-F5344CB8AC3E}">
@@ -604,6 +679,36 @@
           <a:chExt cx="0" cy="0"/>
         </a:xfrm>
       </p:grpSpPr>
+      <p:pic>
+        <p:nvPicPr>
+          <p:cNvPr id="5" name="Picture 4"/>
+          <p:cNvPicPr>
+            <a:picLocks noChangeAspect="1"/>
+          </p:cNvPicPr>
+          <p:nvPr userDrawn="1"/>
+        </p:nvPicPr>
+        <p:blipFill>
+          <a:blip r:embed="rId2" cstate="print">
+            <a:extLst>
+              <a:ext uri="{28A0092B-C50C-407E-A947-70E740481C1C}">
+                <a14:useLocalDpi xmlns:a14="http://schemas.microsoft.com/office/drawing/2010/main" val="0"/>
+              </a:ext>
+            </a:extLst>
+          </a:blip>
+          <a:stretch>
+            <a:fillRect/>
+          </a:stretch>
+        </p:blipFill>
+        <p:spPr>
+          <a:xfrm>
+            <a:off x="9796357" y="299884"/>
+            <a:ext cx="2166543" cy="719292"/>
+          </a:xfrm>
+          <a:prstGeom prst="rect">
+            <a:avLst/>
+          </a:prstGeom>
+        </p:spPr>
+      </p:pic>
       <p:sp>
         <p:nvSpPr>
           <p:cNvPr id="2" name="Title 1"/>
@@ -616,8 +721,8 @@
         </p:nvSpPr>
         <p:spPr>
           <a:xfrm>
-            <a:off x="838201" y="365125"/>
-            <a:ext cx="8292152" cy="1325563"/>
+            <a:off x="784133" y="365125"/>
+            <a:ext cx="8346220" cy="1325563"/>
           </a:xfrm>
         </p:spPr>
         <p:txBody>
@@ -728,39 +833,6 @@
           </a:p>
         </p:txBody>
       </p:sp>
-      <p:pic>
-        <p:nvPicPr>
-          <p:cNvPr id="8" name="Picture 7" descr="C:\Users\marvola\AppData\Local\Microsoft\Windows\INetCache\Content.Word\sippe.jpg"/>
-          <p:cNvPicPr/>
-          <p:nvPr userDrawn="1"/>
-        </p:nvPicPr>
-        <p:blipFill>
-          <a:blip r:embed="rId2">
-            <a:extLst>
-              <a:ext uri="{28A0092B-C50C-407E-A947-70E740481C1C}">
-                <a14:useLocalDpi xmlns:a14="http://schemas.microsoft.com/office/drawing/2010/main" val="0"/>
-              </a:ext>
-            </a:extLst>
-          </a:blip>
-          <a:srcRect/>
-          <a:stretch>
-            <a:fillRect/>
-          </a:stretch>
-        </p:blipFill>
-        <p:spPr bwMode="auto">
-          <a:xfrm>
-            <a:off x="9351481" y="185738"/>
-            <a:ext cx="2611420" cy="1073844"/>
-          </a:xfrm>
-          <a:prstGeom prst="rect">
-            <a:avLst/>
-          </a:prstGeom>
-          <a:noFill/>
-          <a:ln>
-            <a:noFill/>
-          </a:ln>
-        </p:spPr>
-      </p:pic>
     </p:spTree>
     <p:extLst>
       <p:ext uri="{BB962C8B-B14F-4D97-AF65-F5344CB8AC3E}">
@@ -783,7 +855,1273 @@
 
 <file path=ppt/slideLayouts/slideLayout3.xml><?xml version="1.0" encoding="utf-8"?>
 <p:sldLayout xmlns:a="http://schemas.openxmlformats.org/drawingml/2006/main" xmlns:r="http://schemas.openxmlformats.org/officeDocument/2006/relationships" xmlns:p="http://schemas.openxmlformats.org/presentationml/2006/main" preserve="1" userDrawn="1">
-  <p:cSld name="THANK YOU">
+  <p:cSld name="Three boxes">
+    <p:spTree>
+      <p:nvGrpSpPr>
+        <p:cNvPr id="1" name=""/>
+        <p:cNvGrpSpPr/>
+        <p:nvPr/>
+      </p:nvGrpSpPr>
+      <p:grpSpPr>
+        <a:xfrm>
+          <a:off x="0" y="0"/>
+          <a:ext cx="0" cy="0"/>
+          <a:chOff x="0" y="0"/>
+          <a:chExt cx="0" cy="0"/>
+        </a:xfrm>
+      </p:grpSpPr>
+      <p:pic>
+        <p:nvPicPr>
+          <p:cNvPr id="5" name="Picture 4"/>
+          <p:cNvPicPr>
+            <a:picLocks noChangeAspect="1"/>
+          </p:cNvPicPr>
+          <p:nvPr userDrawn="1"/>
+        </p:nvPicPr>
+        <p:blipFill>
+          <a:blip r:embed="rId2" cstate="print">
+            <a:extLst>
+              <a:ext uri="{28A0092B-C50C-407E-A947-70E740481C1C}">
+                <a14:useLocalDpi xmlns:a14="http://schemas.microsoft.com/office/drawing/2010/main" val="0"/>
+              </a:ext>
+            </a:extLst>
+          </a:blip>
+          <a:stretch>
+            <a:fillRect/>
+          </a:stretch>
+        </p:blipFill>
+        <p:spPr>
+          <a:xfrm>
+            <a:off x="9796357" y="299884"/>
+            <a:ext cx="2166543" cy="719292"/>
+          </a:xfrm>
+          <a:prstGeom prst="rect">
+            <a:avLst/>
+          </a:prstGeom>
+        </p:spPr>
+      </p:pic>
+      <p:sp>
+        <p:nvSpPr>
+          <p:cNvPr id="2" name="Title 1"/>
+          <p:cNvSpPr>
+            <a:spLocks noGrp="1"/>
+          </p:cNvSpPr>
+          <p:nvPr>
+            <p:ph type="title" hasCustomPrompt="1"/>
+          </p:nvPr>
+        </p:nvSpPr>
+        <p:spPr>
+          <a:xfrm>
+            <a:off x="784133" y="365125"/>
+            <a:ext cx="8346220" cy="1325563"/>
+          </a:xfrm>
+        </p:spPr>
+        <p:txBody>
+          <a:bodyPr/>
+          <a:lstStyle>
+            <a:lvl1pPr>
+              <a:defRPr b="1">
+                <a:solidFill>
+                  <a:srgbClr val="0069AE"/>
+                </a:solidFill>
+              </a:defRPr>
+            </a:lvl1pPr>
+          </a:lstStyle>
+          <a:p>
+            <a:r>
+              <a:rPr lang="en-US" dirty="0" smtClean="0"/>
+              <a:t>CLICK TO EDIT MASTER TITLE STYLE</a:t>
+            </a:r>
+            <a:endParaRPr lang="fi-FI" dirty="0"/>
+          </a:p>
+        </p:txBody>
+      </p:sp>
+      <p:sp>
+        <p:nvSpPr>
+          <p:cNvPr id="7" name="Rectangle 9"/>
+          <p:cNvSpPr/>
+          <p:nvPr userDrawn="1"/>
+        </p:nvSpPr>
+        <p:spPr>
+          <a:xfrm>
+            <a:off x="288000" y="2109788"/>
+            <a:ext cx="11616000" cy="4536000"/>
+          </a:xfrm>
+          <a:prstGeom prst="rect">
+            <a:avLst/>
+          </a:prstGeom>
+          <a:solidFill>
+            <a:schemeClr val="bg1"/>
+          </a:solidFill>
+          <a:ln>
+            <a:noFill/>
+          </a:ln>
+          <a:effectLst/>
+        </p:spPr>
+        <p:style>
+          <a:lnRef idx="1">
+            <a:schemeClr val="accent1"/>
+          </a:lnRef>
+          <a:fillRef idx="3">
+            <a:schemeClr val="accent1"/>
+          </a:fillRef>
+          <a:effectRef idx="2">
+            <a:schemeClr val="accent1"/>
+          </a:effectRef>
+          <a:fontRef idx="minor">
+            <a:schemeClr val="lt1"/>
+          </a:fontRef>
+        </p:style>
+        <p:txBody>
+          <a:bodyPr rtlCol="0" anchor="ctr"/>
+          <a:lstStyle/>
+          <a:p>
+            <a:pPr algn="ctr"/>
+            <a:endParaRPr lang="en-US" sz="1800"/>
+          </a:p>
+        </p:txBody>
+      </p:sp>
+      <p:grpSp>
+        <p:nvGrpSpPr>
+          <p:cNvPr id="8" name="Group 7"/>
+          <p:cNvGrpSpPr/>
+          <p:nvPr userDrawn="1"/>
+        </p:nvGrpSpPr>
+        <p:grpSpPr>
+          <a:xfrm>
+            <a:off x="218090" y="2109788"/>
+            <a:ext cx="11744809" cy="4536000"/>
+            <a:chOff x="3589134" y="2109788"/>
+            <a:chExt cx="8314866" cy="4536000"/>
+          </a:xfrm>
+        </p:grpSpPr>
+        <p:sp>
+          <p:nvSpPr>
+            <p:cNvPr id="9" name="Rectangle 9"/>
+            <p:cNvSpPr/>
+            <p:nvPr/>
+          </p:nvSpPr>
+          <p:spPr>
+            <a:xfrm>
+              <a:off x="3589134" y="2109788"/>
+              <a:ext cx="2660940" cy="4536000"/>
+            </a:xfrm>
+            <a:prstGeom prst="rect">
+              <a:avLst/>
+            </a:prstGeom>
+            <a:solidFill>
+              <a:srgbClr val="1B71B8"/>
+            </a:solidFill>
+            <a:ln>
+              <a:noFill/>
+            </a:ln>
+            <a:effectLst/>
+          </p:spPr>
+          <p:style>
+            <a:lnRef idx="1">
+              <a:schemeClr val="accent1"/>
+            </a:lnRef>
+            <a:fillRef idx="3">
+              <a:schemeClr val="accent1"/>
+            </a:fillRef>
+            <a:effectRef idx="2">
+              <a:schemeClr val="accent1"/>
+            </a:effectRef>
+            <a:fontRef idx="minor">
+              <a:schemeClr val="lt1"/>
+            </a:fontRef>
+          </p:style>
+          <p:txBody>
+            <a:bodyPr rtlCol="0" anchor="ctr"/>
+            <a:lstStyle/>
+            <a:p>
+              <a:pPr algn="ctr"/>
+              <a:endParaRPr lang="en-US" sz="1800"/>
+            </a:p>
+          </p:txBody>
+        </p:sp>
+        <p:sp>
+          <p:nvSpPr>
+            <p:cNvPr id="10" name="Rectangle 9"/>
+            <p:cNvSpPr/>
+            <p:nvPr/>
+          </p:nvSpPr>
+          <p:spPr>
+            <a:xfrm>
+              <a:off x="9243060" y="2109788"/>
+              <a:ext cx="2660940" cy="4536000"/>
+            </a:xfrm>
+            <a:prstGeom prst="rect">
+              <a:avLst/>
+            </a:prstGeom>
+            <a:solidFill>
+              <a:srgbClr val="1B71B8"/>
+            </a:solidFill>
+            <a:ln>
+              <a:noFill/>
+            </a:ln>
+            <a:effectLst/>
+          </p:spPr>
+          <p:style>
+            <a:lnRef idx="1">
+              <a:schemeClr val="accent1"/>
+            </a:lnRef>
+            <a:fillRef idx="3">
+              <a:schemeClr val="accent1"/>
+            </a:fillRef>
+            <a:effectRef idx="2">
+              <a:schemeClr val="accent1"/>
+            </a:effectRef>
+            <a:fontRef idx="minor">
+              <a:schemeClr val="lt1"/>
+            </a:fontRef>
+          </p:style>
+          <p:txBody>
+            <a:bodyPr rtlCol="0" anchor="ctr"/>
+            <a:lstStyle/>
+            <a:p>
+              <a:pPr algn="ctr"/>
+              <a:endParaRPr lang="en-US" sz="1800"/>
+            </a:p>
+          </p:txBody>
+        </p:sp>
+        <p:sp>
+          <p:nvSpPr>
+            <p:cNvPr id="11" name="Rectangle 9"/>
+            <p:cNvSpPr/>
+            <p:nvPr/>
+          </p:nvSpPr>
+          <p:spPr>
+            <a:xfrm>
+              <a:off x="6407572" y="2109788"/>
+              <a:ext cx="2660940" cy="4536000"/>
+            </a:xfrm>
+            <a:prstGeom prst="rect">
+              <a:avLst/>
+            </a:prstGeom>
+            <a:solidFill>
+              <a:srgbClr val="1B71B8"/>
+            </a:solidFill>
+            <a:ln>
+              <a:noFill/>
+            </a:ln>
+            <a:effectLst/>
+          </p:spPr>
+          <p:style>
+            <a:lnRef idx="1">
+              <a:schemeClr val="accent1"/>
+            </a:lnRef>
+            <a:fillRef idx="3">
+              <a:schemeClr val="accent1"/>
+            </a:fillRef>
+            <a:effectRef idx="2">
+              <a:schemeClr val="accent1"/>
+            </a:effectRef>
+            <a:fontRef idx="minor">
+              <a:schemeClr val="lt1"/>
+            </a:fontRef>
+          </p:style>
+          <p:txBody>
+            <a:bodyPr rtlCol="0" anchor="ctr"/>
+            <a:lstStyle/>
+            <a:p>
+              <a:pPr algn="ctr"/>
+              <a:endParaRPr lang="en-US" sz="1800"/>
+            </a:p>
+          </p:txBody>
+        </p:sp>
+      </p:grpSp>
+      <p:sp>
+        <p:nvSpPr>
+          <p:cNvPr id="3" name="Content Placeholder 2"/>
+          <p:cNvSpPr>
+            <a:spLocks noGrp="1"/>
+          </p:cNvSpPr>
+          <p:nvPr>
+            <p:ph idx="1"/>
+          </p:nvPr>
+        </p:nvSpPr>
+        <p:spPr>
+          <a:xfrm>
+            <a:off x="498538" y="2294450"/>
+            <a:ext cx="3197699" cy="4351338"/>
+          </a:xfrm>
+        </p:spPr>
+        <p:txBody>
+          <a:bodyPr/>
+          <a:lstStyle>
+            <a:lvl1pPr>
+              <a:defRPr>
+                <a:solidFill>
+                  <a:schemeClr val="bg1"/>
+                </a:solidFill>
+              </a:defRPr>
+            </a:lvl1pPr>
+            <a:lvl2pPr>
+              <a:defRPr>
+                <a:solidFill>
+                  <a:schemeClr val="bg1"/>
+                </a:solidFill>
+              </a:defRPr>
+            </a:lvl2pPr>
+            <a:lvl3pPr>
+              <a:defRPr>
+                <a:solidFill>
+                  <a:schemeClr val="bg1"/>
+                </a:solidFill>
+              </a:defRPr>
+            </a:lvl3pPr>
+            <a:lvl4pPr>
+              <a:defRPr>
+                <a:solidFill>
+                  <a:schemeClr val="bg1"/>
+                </a:solidFill>
+              </a:defRPr>
+            </a:lvl4pPr>
+            <a:lvl5pPr>
+              <a:defRPr>
+                <a:solidFill>
+                  <a:schemeClr val="bg1"/>
+                </a:solidFill>
+              </a:defRPr>
+            </a:lvl5pPr>
+          </a:lstStyle>
+          <a:p>
+            <a:pPr lvl="0"/>
+            <a:r>
+              <a:rPr lang="en-US" dirty="0" smtClean="0"/>
+              <a:t>Click to edit Master text styles</a:t>
+            </a:r>
+          </a:p>
+          <a:p>
+            <a:pPr lvl="1"/>
+            <a:r>
+              <a:rPr lang="en-US" dirty="0" smtClean="0"/>
+              <a:t>Second level</a:t>
+            </a:r>
+          </a:p>
+          <a:p>
+            <a:pPr lvl="2"/>
+            <a:r>
+              <a:rPr lang="en-US" dirty="0" smtClean="0"/>
+              <a:t>Third level</a:t>
+            </a:r>
+          </a:p>
+          <a:p>
+            <a:pPr lvl="3"/>
+            <a:r>
+              <a:rPr lang="en-US" dirty="0" smtClean="0"/>
+              <a:t>Fourth level</a:t>
+            </a:r>
+          </a:p>
+          <a:p>
+            <a:pPr lvl="4"/>
+            <a:r>
+              <a:rPr lang="en-US" dirty="0" smtClean="0"/>
+              <a:t>Fifth level</a:t>
+            </a:r>
+            <a:endParaRPr lang="fi-FI" dirty="0"/>
+          </a:p>
+        </p:txBody>
+      </p:sp>
+      <p:sp>
+        <p:nvSpPr>
+          <p:cNvPr id="16" name="Content Placeholder 2"/>
+          <p:cNvSpPr>
+            <a:spLocks noGrp="1"/>
+          </p:cNvSpPr>
+          <p:nvPr>
+            <p:ph idx="10"/>
+          </p:nvPr>
+        </p:nvSpPr>
+        <p:spPr>
+          <a:xfrm>
+            <a:off x="4479602" y="2294450"/>
+            <a:ext cx="3197699" cy="4351338"/>
+          </a:xfrm>
+        </p:spPr>
+        <p:txBody>
+          <a:bodyPr/>
+          <a:lstStyle>
+            <a:lvl1pPr>
+              <a:defRPr>
+                <a:solidFill>
+                  <a:schemeClr val="bg1"/>
+                </a:solidFill>
+              </a:defRPr>
+            </a:lvl1pPr>
+            <a:lvl2pPr>
+              <a:defRPr>
+                <a:solidFill>
+                  <a:schemeClr val="bg1"/>
+                </a:solidFill>
+              </a:defRPr>
+            </a:lvl2pPr>
+            <a:lvl3pPr>
+              <a:defRPr>
+                <a:solidFill>
+                  <a:schemeClr val="bg1"/>
+                </a:solidFill>
+              </a:defRPr>
+            </a:lvl3pPr>
+            <a:lvl4pPr>
+              <a:defRPr>
+                <a:solidFill>
+                  <a:schemeClr val="bg1"/>
+                </a:solidFill>
+              </a:defRPr>
+            </a:lvl4pPr>
+            <a:lvl5pPr>
+              <a:defRPr>
+                <a:solidFill>
+                  <a:schemeClr val="bg1"/>
+                </a:solidFill>
+              </a:defRPr>
+            </a:lvl5pPr>
+          </a:lstStyle>
+          <a:p>
+            <a:pPr lvl="0"/>
+            <a:r>
+              <a:rPr lang="en-US" dirty="0" smtClean="0"/>
+              <a:t>Click to edit Master text styles</a:t>
+            </a:r>
+          </a:p>
+          <a:p>
+            <a:pPr lvl="1"/>
+            <a:r>
+              <a:rPr lang="en-US" dirty="0" smtClean="0"/>
+              <a:t>Second level</a:t>
+            </a:r>
+          </a:p>
+          <a:p>
+            <a:pPr lvl="2"/>
+            <a:r>
+              <a:rPr lang="en-US" dirty="0" smtClean="0"/>
+              <a:t>Third level</a:t>
+            </a:r>
+          </a:p>
+          <a:p>
+            <a:pPr lvl="3"/>
+            <a:r>
+              <a:rPr lang="en-US" dirty="0" smtClean="0"/>
+              <a:t>Fourth level</a:t>
+            </a:r>
+          </a:p>
+          <a:p>
+            <a:pPr lvl="4"/>
+            <a:r>
+              <a:rPr lang="en-US" dirty="0" smtClean="0"/>
+              <a:t>Fifth level</a:t>
+            </a:r>
+            <a:endParaRPr lang="fi-FI" dirty="0"/>
+          </a:p>
+        </p:txBody>
+      </p:sp>
+      <p:sp>
+        <p:nvSpPr>
+          <p:cNvPr id="17" name="Content Placeholder 2"/>
+          <p:cNvSpPr>
+            <a:spLocks noGrp="1"/>
+          </p:cNvSpPr>
+          <p:nvPr>
+            <p:ph idx="11"/>
+          </p:nvPr>
+        </p:nvSpPr>
+        <p:spPr>
+          <a:xfrm>
+            <a:off x="8484750" y="2294450"/>
+            <a:ext cx="3197699" cy="4351338"/>
+          </a:xfrm>
+        </p:spPr>
+        <p:txBody>
+          <a:bodyPr/>
+          <a:lstStyle>
+            <a:lvl1pPr>
+              <a:defRPr>
+                <a:solidFill>
+                  <a:schemeClr val="bg1"/>
+                </a:solidFill>
+              </a:defRPr>
+            </a:lvl1pPr>
+            <a:lvl2pPr>
+              <a:defRPr>
+                <a:solidFill>
+                  <a:schemeClr val="bg1"/>
+                </a:solidFill>
+              </a:defRPr>
+            </a:lvl2pPr>
+            <a:lvl3pPr>
+              <a:defRPr>
+                <a:solidFill>
+                  <a:schemeClr val="bg1"/>
+                </a:solidFill>
+              </a:defRPr>
+            </a:lvl3pPr>
+            <a:lvl4pPr>
+              <a:defRPr>
+                <a:solidFill>
+                  <a:schemeClr val="bg1"/>
+                </a:solidFill>
+              </a:defRPr>
+            </a:lvl4pPr>
+            <a:lvl5pPr>
+              <a:defRPr>
+                <a:solidFill>
+                  <a:schemeClr val="bg1"/>
+                </a:solidFill>
+              </a:defRPr>
+            </a:lvl5pPr>
+          </a:lstStyle>
+          <a:p>
+            <a:pPr lvl="0"/>
+            <a:r>
+              <a:rPr lang="en-US" dirty="0" smtClean="0"/>
+              <a:t>Click to edit Master text styles</a:t>
+            </a:r>
+          </a:p>
+          <a:p>
+            <a:pPr lvl="1"/>
+            <a:r>
+              <a:rPr lang="en-US" dirty="0" smtClean="0"/>
+              <a:t>Second level</a:t>
+            </a:r>
+          </a:p>
+          <a:p>
+            <a:pPr lvl="2"/>
+            <a:r>
+              <a:rPr lang="en-US" dirty="0" smtClean="0"/>
+              <a:t>Third level</a:t>
+            </a:r>
+          </a:p>
+          <a:p>
+            <a:pPr lvl="3"/>
+            <a:r>
+              <a:rPr lang="en-US" dirty="0" smtClean="0"/>
+              <a:t>Fourth level</a:t>
+            </a:r>
+          </a:p>
+          <a:p>
+            <a:pPr lvl="4"/>
+            <a:r>
+              <a:rPr lang="en-US" dirty="0" smtClean="0"/>
+              <a:t>Fifth level</a:t>
+            </a:r>
+            <a:endParaRPr lang="fi-FI" dirty="0"/>
+          </a:p>
+        </p:txBody>
+      </p:sp>
+    </p:spTree>
+    <p:extLst>
+      <p:ext uri="{BB962C8B-B14F-4D97-AF65-F5344CB8AC3E}">
+        <p14:creationId xmlns:p14="http://schemas.microsoft.com/office/powerpoint/2010/main" val="1907917280"/>
+      </p:ext>
+    </p:extLst>
+  </p:cSld>
+  <p:clrMapOvr>
+    <a:masterClrMapping/>
+  </p:clrMapOvr>
+  <p:timing>
+    <p:tnLst>
+      <p:par>
+        <p:cTn id="1" dur="indefinite" restart="never" nodeType="tmRoot"/>
+      </p:par>
+    </p:tnLst>
+  </p:timing>
+</p:sldLayout>
+</file>
+
+<file path=ppt/slideLayouts/slideLayout4.xml><?xml version="1.0" encoding="utf-8"?>
+<p:sldLayout xmlns:a="http://schemas.openxmlformats.org/drawingml/2006/main" xmlns:r="http://schemas.openxmlformats.org/officeDocument/2006/relationships" xmlns:p="http://schemas.openxmlformats.org/presentationml/2006/main" preserve="1" userDrawn="1">
+  <p:cSld name="Three boxes and conclusion">
+    <p:spTree>
+      <p:nvGrpSpPr>
+        <p:cNvPr id="1" name=""/>
+        <p:cNvGrpSpPr/>
+        <p:nvPr/>
+      </p:nvGrpSpPr>
+      <p:grpSpPr>
+        <a:xfrm>
+          <a:off x="0" y="0"/>
+          <a:ext cx="0" cy="0"/>
+          <a:chOff x="0" y="0"/>
+          <a:chExt cx="0" cy="0"/>
+        </a:xfrm>
+      </p:grpSpPr>
+      <p:pic>
+        <p:nvPicPr>
+          <p:cNvPr id="5" name="Picture 4"/>
+          <p:cNvPicPr>
+            <a:picLocks noChangeAspect="1"/>
+          </p:cNvPicPr>
+          <p:nvPr userDrawn="1"/>
+        </p:nvPicPr>
+        <p:blipFill>
+          <a:blip r:embed="rId2" cstate="print">
+            <a:extLst>
+              <a:ext uri="{28A0092B-C50C-407E-A947-70E740481C1C}">
+                <a14:useLocalDpi xmlns:a14="http://schemas.microsoft.com/office/drawing/2010/main" val="0"/>
+              </a:ext>
+            </a:extLst>
+          </a:blip>
+          <a:stretch>
+            <a:fillRect/>
+          </a:stretch>
+        </p:blipFill>
+        <p:spPr>
+          <a:xfrm>
+            <a:off x="9796357" y="299884"/>
+            <a:ext cx="2166543" cy="719292"/>
+          </a:xfrm>
+          <a:prstGeom prst="rect">
+            <a:avLst/>
+          </a:prstGeom>
+        </p:spPr>
+      </p:pic>
+      <p:sp>
+        <p:nvSpPr>
+          <p:cNvPr id="2" name="Title 1"/>
+          <p:cNvSpPr>
+            <a:spLocks noGrp="1"/>
+          </p:cNvSpPr>
+          <p:nvPr>
+            <p:ph type="title" hasCustomPrompt="1"/>
+          </p:nvPr>
+        </p:nvSpPr>
+        <p:spPr>
+          <a:xfrm>
+            <a:off x="784133" y="365125"/>
+            <a:ext cx="8346220" cy="1325563"/>
+          </a:xfrm>
+        </p:spPr>
+        <p:txBody>
+          <a:bodyPr/>
+          <a:lstStyle>
+            <a:lvl1pPr>
+              <a:defRPr b="1">
+                <a:solidFill>
+                  <a:srgbClr val="0069AE"/>
+                </a:solidFill>
+              </a:defRPr>
+            </a:lvl1pPr>
+          </a:lstStyle>
+          <a:p>
+            <a:r>
+              <a:rPr lang="en-US" dirty="0" smtClean="0"/>
+              <a:t>CLICK TO EDIT MASTER TITLE STYLE</a:t>
+            </a:r>
+            <a:endParaRPr lang="fi-FI" dirty="0"/>
+          </a:p>
+        </p:txBody>
+      </p:sp>
+      <p:sp>
+        <p:nvSpPr>
+          <p:cNvPr id="7" name="Rectangle 9"/>
+          <p:cNvSpPr/>
+          <p:nvPr userDrawn="1"/>
+        </p:nvSpPr>
+        <p:spPr>
+          <a:xfrm>
+            <a:off x="288000" y="2109788"/>
+            <a:ext cx="11616000" cy="4536000"/>
+          </a:xfrm>
+          <a:prstGeom prst="rect">
+            <a:avLst/>
+          </a:prstGeom>
+          <a:solidFill>
+            <a:schemeClr val="bg1"/>
+          </a:solidFill>
+          <a:ln>
+            <a:noFill/>
+          </a:ln>
+          <a:effectLst/>
+        </p:spPr>
+        <p:style>
+          <a:lnRef idx="1">
+            <a:schemeClr val="accent1"/>
+          </a:lnRef>
+          <a:fillRef idx="3">
+            <a:schemeClr val="accent1"/>
+          </a:fillRef>
+          <a:effectRef idx="2">
+            <a:schemeClr val="accent1"/>
+          </a:effectRef>
+          <a:fontRef idx="minor">
+            <a:schemeClr val="lt1"/>
+          </a:fontRef>
+        </p:style>
+        <p:txBody>
+          <a:bodyPr rtlCol="0" anchor="ctr"/>
+          <a:lstStyle/>
+          <a:p>
+            <a:pPr algn="ctr"/>
+            <a:endParaRPr lang="en-US" sz="1800"/>
+          </a:p>
+        </p:txBody>
+      </p:sp>
+      <p:grpSp>
+        <p:nvGrpSpPr>
+          <p:cNvPr id="8" name="Group 7"/>
+          <p:cNvGrpSpPr/>
+          <p:nvPr userDrawn="1"/>
+        </p:nvGrpSpPr>
+        <p:grpSpPr>
+          <a:xfrm>
+            <a:off x="218090" y="2109788"/>
+            <a:ext cx="11744809" cy="4536000"/>
+            <a:chOff x="3589134" y="2109788"/>
+            <a:chExt cx="8314866" cy="4536000"/>
+          </a:xfrm>
+        </p:grpSpPr>
+        <p:sp>
+          <p:nvSpPr>
+            <p:cNvPr id="9" name="Rectangle 9"/>
+            <p:cNvSpPr/>
+            <p:nvPr/>
+          </p:nvSpPr>
+          <p:spPr>
+            <a:xfrm>
+              <a:off x="3589134" y="2109788"/>
+              <a:ext cx="2660940" cy="4536000"/>
+            </a:xfrm>
+            <a:prstGeom prst="rect">
+              <a:avLst/>
+            </a:prstGeom>
+            <a:solidFill>
+              <a:srgbClr val="1B71B8"/>
+            </a:solidFill>
+            <a:ln>
+              <a:noFill/>
+            </a:ln>
+            <a:effectLst/>
+          </p:spPr>
+          <p:style>
+            <a:lnRef idx="1">
+              <a:schemeClr val="accent1"/>
+            </a:lnRef>
+            <a:fillRef idx="3">
+              <a:schemeClr val="accent1"/>
+            </a:fillRef>
+            <a:effectRef idx="2">
+              <a:schemeClr val="accent1"/>
+            </a:effectRef>
+            <a:fontRef idx="minor">
+              <a:schemeClr val="lt1"/>
+            </a:fontRef>
+          </p:style>
+          <p:txBody>
+            <a:bodyPr rtlCol="0" anchor="ctr"/>
+            <a:lstStyle/>
+            <a:p>
+              <a:pPr algn="ctr"/>
+              <a:endParaRPr lang="en-US" sz="1800"/>
+            </a:p>
+          </p:txBody>
+        </p:sp>
+        <p:sp>
+          <p:nvSpPr>
+            <p:cNvPr id="10" name="Rectangle 9"/>
+            <p:cNvSpPr/>
+            <p:nvPr/>
+          </p:nvSpPr>
+          <p:spPr>
+            <a:xfrm>
+              <a:off x="9243060" y="2109788"/>
+              <a:ext cx="2660940" cy="4536000"/>
+            </a:xfrm>
+            <a:prstGeom prst="rect">
+              <a:avLst/>
+            </a:prstGeom>
+            <a:solidFill>
+              <a:srgbClr val="1B71B8"/>
+            </a:solidFill>
+            <a:ln>
+              <a:noFill/>
+            </a:ln>
+            <a:effectLst/>
+          </p:spPr>
+          <p:style>
+            <a:lnRef idx="1">
+              <a:schemeClr val="accent1"/>
+            </a:lnRef>
+            <a:fillRef idx="3">
+              <a:schemeClr val="accent1"/>
+            </a:fillRef>
+            <a:effectRef idx="2">
+              <a:schemeClr val="accent1"/>
+            </a:effectRef>
+            <a:fontRef idx="minor">
+              <a:schemeClr val="lt1"/>
+            </a:fontRef>
+          </p:style>
+          <p:txBody>
+            <a:bodyPr rtlCol="0" anchor="ctr"/>
+            <a:lstStyle/>
+            <a:p>
+              <a:pPr algn="ctr"/>
+              <a:endParaRPr lang="en-US" sz="1800"/>
+            </a:p>
+          </p:txBody>
+        </p:sp>
+        <p:sp>
+          <p:nvSpPr>
+            <p:cNvPr id="11" name="Rectangle 9"/>
+            <p:cNvSpPr/>
+            <p:nvPr/>
+          </p:nvSpPr>
+          <p:spPr>
+            <a:xfrm>
+              <a:off x="6407572" y="2109788"/>
+              <a:ext cx="2660940" cy="4536000"/>
+            </a:xfrm>
+            <a:prstGeom prst="rect">
+              <a:avLst/>
+            </a:prstGeom>
+            <a:solidFill>
+              <a:srgbClr val="1B71B8"/>
+            </a:solidFill>
+            <a:ln>
+              <a:noFill/>
+            </a:ln>
+            <a:effectLst/>
+          </p:spPr>
+          <p:style>
+            <a:lnRef idx="1">
+              <a:schemeClr val="accent1"/>
+            </a:lnRef>
+            <a:fillRef idx="3">
+              <a:schemeClr val="accent1"/>
+            </a:fillRef>
+            <a:effectRef idx="2">
+              <a:schemeClr val="accent1"/>
+            </a:effectRef>
+            <a:fontRef idx="minor">
+              <a:schemeClr val="lt1"/>
+            </a:fontRef>
+          </p:style>
+          <p:txBody>
+            <a:bodyPr rtlCol="0" anchor="ctr"/>
+            <a:lstStyle/>
+            <a:p>
+              <a:pPr algn="ctr"/>
+              <a:endParaRPr lang="en-US" sz="1800"/>
+            </a:p>
+          </p:txBody>
+        </p:sp>
+      </p:grpSp>
+      <p:sp>
+        <p:nvSpPr>
+          <p:cNvPr id="3" name="Content Placeholder 2"/>
+          <p:cNvSpPr>
+            <a:spLocks noGrp="1"/>
+          </p:cNvSpPr>
+          <p:nvPr>
+            <p:ph idx="1"/>
+          </p:nvPr>
+        </p:nvSpPr>
+        <p:spPr>
+          <a:xfrm>
+            <a:off x="498538" y="2294450"/>
+            <a:ext cx="3197699" cy="2823650"/>
+          </a:xfrm>
+        </p:spPr>
+        <p:txBody>
+          <a:bodyPr/>
+          <a:lstStyle>
+            <a:lvl1pPr>
+              <a:defRPr>
+                <a:solidFill>
+                  <a:schemeClr val="bg1"/>
+                </a:solidFill>
+              </a:defRPr>
+            </a:lvl1pPr>
+            <a:lvl2pPr>
+              <a:defRPr>
+                <a:solidFill>
+                  <a:schemeClr val="bg1"/>
+                </a:solidFill>
+              </a:defRPr>
+            </a:lvl2pPr>
+            <a:lvl3pPr>
+              <a:defRPr>
+                <a:solidFill>
+                  <a:schemeClr val="bg1"/>
+                </a:solidFill>
+              </a:defRPr>
+            </a:lvl3pPr>
+            <a:lvl4pPr>
+              <a:defRPr>
+                <a:solidFill>
+                  <a:schemeClr val="bg1"/>
+                </a:solidFill>
+              </a:defRPr>
+            </a:lvl4pPr>
+            <a:lvl5pPr>
+              <a:defRPr>
+                <a:solidFill>
+                  <a:schemeClr val="bg1"/>
+                </a:solidFill>
+              </a:defRPr>
+            </a:lvl5pPr>
+          </a:lstStyle>
+          <a:p>
+            <a:pPr lvl="0"/>
+            <a:r>
+              <a:rPr lang="en-US" dirty="0" smtClean="0"/>
+              <a:t>Click to edit Master text styles</a:t>
+            </a:r>
+          </a:p>
+          <a:p>
+            <a:pPr lvl="1"/>
+            <a:r>
+              <a:rPr lang="en-US" dirty="0" smtClean="0"/>
+              <a:t>Second level</a:t>
+            </a:r>
+          </a:p>
+          <a:p>
+            <a:pPr lvl="2"/>
+            <a:r>
+              <a:rPr lang="en-US" dirty="0" smtClean="0"/>
+              <a:t>Third level</a:t>
+            </a:r>
+          </a:p>
+          <a:p>
+            <a:pPr lvl="3"/>
+            <a:r>
+              <a:rPr lang="en-US" dirty="0" smtClean="0"/>
+              <a:t>Fourth level</a:t>
+            </a:r>
+          </a:p>
+          <a:p>
+            <a:pPr lvl="4"/>
+            <a:r>
+              <a:rPr lang="en-US" dirty="0" smtClean="0"/>
+              <a:t>Fifth level</a:t>
+            </a:r>
+            <a:endParaRPr lang="fi-FI" dirty="0"/>
+          </a:p>
+        </p:txBody>
+      </p:sp>
+      <p:sp>
+        <p:nvSpPr>
+          <p:cNvPr id="16" name="Content Placeholder 2"/>
+          <p:cNvSpPr>
+            <a:spLocks noGrp="1"/>
+          </p:cNvSpPr>
+          <p:nvPr>
+            <p:ph idx="10"/>
+          </p:nvPr>
+        </p:nvSpPr>
+        <p:spPr>
+          <a:xfrm>
+            <a:off x="4479602" y="2294450"/>
+            <a:ext cx="3197699" cy="2823650"/>
+          </a:xfrm>
+        </p:spPr>
+        <p:txBody>
+          <a:bodyPr/>
+          <a:lstStyle>
+            <a:lvl1pPr>
+              <a:defRPr>
+                <a:solidFill>
+                  <a:schemeClr val="bg1"/>
+                </a:solidFill>
+              </a:defRPr>
+            </a:lvl1pPr>
+            <a:lvl2pPr>
+              <a:defRPr>
+                <a:solidFill>
+                  <a:schemeClr val="bg1"/>
+                </a:solidFill>
+              </a:defRPr>
+            </a:lvl2pPr>
+            <a:lvl3pPr>
+              <a:defRPr>
+                <a:solidFill>
+                  <a:schemeClr val="bg1"/>
+                </a:solidFill>
+              </a:defRPr>
+            </a:lvl3pPr>
+            <a:lvl4pPr>
+              <a:defRPr>
+                <a:solidFill>
+                  <a:schemeClr val="bg1"/>
+                </a:solidFill>
+              </a:defRPr>
+            </a:lvl4pPr>
+            <a:lvl5pPr>
+              <a:defRPr>
+                <a:solidFill>
+                  <a:schemeClr val="bg1"/>
+                </a:solidFill>
+              </a:defRPr>
+            </a:lvl5pPr>
+          </a:lstStyle>
+          <a:p>
+            <a:pPr lvl="0"/>
+            <a:r>
+              <a:rPr lang="en-US" dirty="0" smtClean="0"/>
+              <a:t>Click to edit Master text styles</a:t>
+            </a:r>
+          </a:p>
+          <a:p>
+            <a:pPr lvl="1"/>
+            <a:r>
+              <a:rPr lang="en-US" dirty="0" smtClean="0"/>
+              <a:t>Second level</a:t>
+            </a:r>
+          </a:p>
+          <a:p>
+            <a:pPr lvl="2"/>
+            <a:r>
+              <a:rPr lang="en-US" dirty="0" smtClean="0"/>
+              <a:t>Third level</a:t>
+            </a:r>
+          </a:p>
+          <a:p>
+            <a:pPr lvl="3"/>
+            <a:r>
+              <a:rPr lang="en-US" dirty="0" smtClean="0"/>
+              <a:t>Fourth level</a:t>
+            </a:r>
+          </a:p>
+          <a:p>
+            <a:pPr lvl="4"/>
+            <a:r>
+              <a:rPr lang="en-US" dirty="0" smtClean="0"/>
+              <a:t>Fifth level</a:t>
+            </a:r>
+            <a:endParaRPr lang="fi-FI" dirty="0"/>
+          </a:p>
+        </p:txBody>
+      </p:sp>
+      <p:sp>
+        <p:nvSpPr>
+          <p:cNvPr id="17" name="Content Placeholder 2"/>
+          <p:cNvSpPr>
+            <a:spLocks noGrp="1"/>
+          </p:cNvSpPr>
+          <p:nvPr>
+            <p:ph idx="11"/>
+          </p:nvPr>
+        </p:nvSpPr>
+        <p:spPr>
+          <a:xfrm>
+            <a:off x="8484750" y="2294450"/>
+            <a:ext cx="3197699" cy="2823650"/>
+          </a:xfrm>
+        </p:spPr>
+        <p:txBody>
+          <a:bodyPr/>
+          <a:lstStyle>
+            <a:lvl1pPr>
+              <a:defRPr>
+                <a:solidFill>
+                  <a:schemeClr val="bg1"/>
+                </a:solidFill>
+              </a:defRPr>
+            </a:lvl1pPr>
+            <a:lvl2pPr>
+              <a:defRPr>
+                <a:solidFill>
+                  <a:schemeClr val="bg1"/>
+                </a:solidFill>
+              </a:defRPr>
+            </a:lvl2pPr>
+            <a:lvl3pPr>
+              <a:defRPr>
+                <a:solidFill>
+                  <a:schemeClr val="bg1"/>
+                </a:solidFill>
+              </a:defRPr>
+            </a:lvl3pPr>
+            <a:lvl4pPr>
+              <a:defRPr>
+                <a:solidFill>
+                  <a:schemeClr val="bg1"/>
+                </a:solidFill>
+              </a:defRPr>
+            </a:lvl4pPr>
+            <a:lvl5pPr>
+              <a:defRPr>
+                <a:solidFill>
+                  <a:schemeClr val="bg1"/>
+                </a:solidFill>
+              </a:defRPr>
+            </a:lvl5pPr>
+          </a:lstStyle>
+          <a:p>
+            <a:pPr lvl="0"/>
+            <a:r>
+              <a:rPr lang="en-US" dirty="0" smtClean="0"/>
+              <a:t>Click to edit Master text styles</a:t>
+            </a:r>
+          </a:p>
+          <a:p>
+            <a:pPr lvl="1"/>
+            <a:r>
+              <a:rPr lang="en-US" dirty="0" smtClean="0"/>
+              <a:t>Second level</a:t>
+            </a:r>
+          </a:p>
+          <a:p>
+            <a:pPr lvl="2"/>
+            <a:r>
+              <a:rPr lang="en-US" dirty="0" smtClean="0"/>
+              <a:t>Third level</a:t>
+            </a:r>
+          </a:p>
+          <a:p>
+            <a:pPr lvl="3"/>
+            <a:r>
+              <a:rPr lang="en-US" dirty="0" smtClean="0"/>
+              <a:t>Fourth level</a:t>
+            </a:r>
+          </a:p>
+          <a:p>
+            <a:pPr lvl="4"/>
+            <a:r>
+              <a:rPr lang="en-US" dirty="0" smtClean="0"/>
+              <a:t>Fifth level</a:t>
+            </a:r>
+            <a:endParaRPr lang="fi-FI" dirty="0"/>
+          </a:p>
+        </p:txBody>
+      </p:sp>
+      <p:sp>
+        <p:nvSpPr>
+          <p:cNvPr id="12" name="Rectangle 9"/>
+          <p:cNvSpPr/>
+          <p:nvPr userDrawn="1"/>
+        </p:nvSpPr>
+        <p:spPr>
+          <a:xfrm>
+            <a:off x="0" y="5276640"/>
+            <a:ext cx="12191999" cy="914399"/>
+          </a:xfrm>
+          <a:prstGeom prst="rect">
+            <a:avLst/>
+          </a:prstGeom>
+          <a:solidFill>
+            <a:srgbClr val="E40514"/>
+          </a:solidFill>
+          <a:ln>
+            <a:noFill/>
+          </a:ln>
+          <a:effectLst/>
+        </p:spPr>
+        <p:style>
+          <a:lnRef idx="1">
+            <a:schemeClr val="accent1"/>
+          </a:lnRef>
+          <a:fillRef idx="3">
+            <a:schemeClr val="accent1"/>
+          </a:fillRef>
+          <a:effectRef idx="2">
+            <a:schemeClr val="accent1"/>
+          </a:effectRef>
+          <a:fontRef idx="minor">
+            <a:schemeClr val="lt1"/>
+          </a:fontRef>
+        </p:style>
+        <p:txBody>
+          <a:bodyPr rtlCol="0" anchor="ctr"/>
+          <a:lstStyle/>
+          <a:p>
+            <a:pPr algn="ctr"/>
+            <a:endParaRPr lang="en-US" sz="1800"/>
+          </a:p>
+        </p:txBody>
+      </p:sp>
+      <p:sp>
+        <p:nvSpPr>
+          <p:cNvPr id="13" name="Content Placeholder 2"/>
+          <p:cNvSpPr>
+            <a:spLocks noGrp="1"/>
+          </p:cNvSpPr>
+          <p:nvPr>
+            <p:ph idx="12"/>
+          </p:nvPr>
+        </p:nvSpPr>
+        <p:spPr>
+          <a:xfrm>
+            <a:off x="498538" y="5397500"/>
+            <a:ext cx="11183911" cy="685800"/>
+          </a:xfrm>
+        </p:spPr>
+        <p:txBody>
+          <a:bodyPr anchor="ctr">
+            <a:noAutofit/>
+          </a:bodyPr>
+          <a:lstStyle>
+            <a:lvl1pPr marL="0" indent="0">
+              <a:buNone/>
+              <a:defRPr sz="2800">
+                <a:solidFill>
+                  <a:schemeClr val="bg1"/>
+                </a:solidFill>
+              </a:defRPr>
+            </a:lvl1pPr>
+            <a:lvl2pPr>
+              <a:defRPr sz="2000">
+                <a:solidFill>
+                  <a:schemeClr val="bg1"/>
+                </a:solidFill>
+              </a:defRPr>
+            </a:lvl2pPr>
+            <a:lvl3pPr>
+              <a:defRPr>
+                <a:solidFill>
+                  <a:schemeClr val="bg1"/>
+                </a:solidFill>
+              </a:defRPr>
+            </a:lvl3pPr>
+            <a:lvl4pPr>
+              <a:defRPr>
+                <a:solidFill>
+                  <a:schemeClr val="bg1"/>
+                </a:solidFill>
+              </a:defRPr>
+            </a:lvl4pPr>
+            <a:lvl5pPr>
+              <a:defRPr>
+                <a:solidFill>
+                  <a:schemeClr val="bg1"/>
+                </a:solidFill>
+              </a:defRPr>
+            </a:lvl5pPr>
+          </a:lstStyle>
+          <a:p>
+            <a:pPr lvl="0"/>
+            <a:r>
+              <a:rPr lang="en-US" dirty="0" smtClean="0"/>
+              <a:t>Click to edit Master text styles</a:t>
+            </a:r>
+          </a:p>
+        </p:txBody>
+      </p:sp>
+    </p:spTree>
+    <p:extLst>
+      <p:ext uri="{BB962C8B-B14F-4D97-AF65-F5344CB8AC3E}">
+        <p14:creationId xmlns:p14="http://schemas.microsoft.com/office/powerpoint/2010/main" val="4100273167"/>
+      </p:ext>
+    </p:extLst>
+  </p:cSld>
+  <p:clrMapOvr>
+    <a:masterClrMapping/>
+  </p:clrMapOvr>
+  <p:timing>
+    <p:tnLst>
+      <p:par>
+        <p:cTn id="1" dur="indefinite" restart="never" nodeType="tmRoot"/>
+      </p:par>
+    </p:tnLst>
+  </p:timing>
+</p:sldLayout>
+</file>
+
+<file path=ppt/slideLayouts/slideLayout5.xml><?xml version="1.0" encoding="utf-8"?>
+<p:sldLayout xmlns:a="http://schemas.openxmlformats.org/drawingml/2006/main" xmlns:r="http://schemas.openxmlformats.org/officeDocument/2006/relationships" xmlns:p="http://schemas.openxmlformats.org/presentationml/2006/main" preserve="1" userDrawn="1">
+  <p:cSld name="THANK YOU -slide">
     <p:spTree>
       <p:nvGrpSpPr>
         <p:cNvPr id="1" name=""/>
@@ -800,180 +2138,20 @@
       </p:grpSpPr>
       <p:sp>
         <p:nvSpPr>
-          <p:cNvPr id="34" name="Subtitle 2"/>
-          <p:cNvSpPr>
-            <a:spLocks noGrp="1"/>
-          </p:cNvSpPr>
-          <p:nvPr>
-            <p:ph type="subTitle" idx="10" hasCustomPrompt="1"/>
-          </p:nvPr>
-        </p:nvSpPr>
-        <p:spPr>
-          <a:xfrm>
-            <a:off x="2699121" y="5272493"/>
-            <a:ext cx="9144000" cy="587825"/>
-          </a:xfrm>
-        </p:spPr>
-        <p:txBody>
-          <a:bodyPr anchor="ctr">
-            <a:normAutofit/>
-          </a:bodyPr>
-          <a:lstStyle>
-            <a:lvl1pPr marL="0" indent="0" algn="l">
-              <a:buNone/>
-              <a:defRPr sz="2800"/>
-            </a:lvl1pPr>
-            <a:lvl2pPr marL="457200" indent="0" algn="ctr">
-              <a:buNone/>
-              <a:defRPr sz="2000"/>
-            </a:lvl2pPr>
-            <a:lvl3pPr marL="914400" indent="0" algn="ctr">
-              <a:buNone/>
-              <a:defRPr sz="1800"/>
-            </a:lvl3pPr>
-            <a:lvl4pPr marL="1371600" indent="0" algn="ctr">
-              <a:buNone/>
-              <a:defRPr sz="1600"/>
-            </a:lvl4pPr>
-            <a:lvl5pPr marL="1828800" indent="0" algn="ctr">
-              <a:buNone/>
-              <a:defRPr sz="1600"/>
-            </a:lvl5pPr>
-            <a:lvl6pPr marL="2286000" indent="0" algn="ctr">
-              <a:buNone/>
-              <a:defRPr sz="1600"/>
-            </a:lvl6pPr>
-            <a:lvl7pPr marL="2743200" indent="0" algn="ctr">
-              <a:buNone/>
-              <a:defRPr sz="1600"/>
-            </a:lvl7pPr>
-            <a:lvl8pPr marL="3200400" indent="0" algn="ctr">
-              <a:buNone/>
-              <a:defRPr sz="1600"/>
-            </a:lvl8pPr>
-            <a:lvl9pPr marL="3657600" indent="0" algn="ctr">
-              <a:buNone/>
-              <a:defRPr sz="1600"/>
-            </a:lvl9pPr>
-          </a:lstStyle>
-          <a:p>
-            <a:r>
-              <a:rPr lang="en-US" dirty="0" err="1" smtClean="0"/>
-              <a:t>change.your@email.here</a:t>
-            </a:r>
-            <a:endParaRPr lang="fi-FI" dirty="0"/>
-          </a:p>
-        </p:txBody>
-      </p:sp>
-      <p:grpSp>
-        <p:nvGrpSpPr>
-          <p:cNvPr id="19" name="Group 18"/>
-          <p:cNvGrpSpPr/>
-          <p:nvPr userDrawn="1"/>
-        </p:nvGrpSpPr>
-        <p:grpSpPr>
-          <a:xfrm>
-            <a:off x="1837663" y="4361539"/>
-            <a:ext cx="3712237" cy="569554"/>
-            <a:chOff x="1762800" y="3339625"/>
-            <a:chExt cx="3712237" cy="569554"/>
-          </a:xfrm>
-        </p:grpSpPr>
-        <p:pic>
-          <p:nvPicPr>
-            <p:cNvPr id="11" name="Picture 10" descr="Screen Clipping"/>
-            <p:cNvPicPr>
-              <a:picLocks noChangeAspect="1"/>
-            </p:cNvPicPr>
-            <p:nvPr userDrawn="1"/>
-          </p:nvPicPr>
-          <p:blipFill>
-            <a:blip r:embed="rId2" cstate="print">
-              <a:clrChange>
-                <a:clrFrom>
-                  <a:srgbClr val="F6F6F6"/>
-                </a:clrFrom>
-                <a:clrTo>
-                  <a:srgbClr val="F6F6F6">
-                    <a:alpha val="0"/>
-                  </a:srgbClr>
-                </a:clrTo>
-              </a:clrChange>
-              <a:extLst>
-                <a:ext uri="{28A0092B-C50C-407E-A947-70E740481C1C}">
-                  <a14:useLocalDpi xmlns:a14="http://schemas.microsoft.com/office/drawing/2010/main" val="0"/>
-                </a:ext>
-              </a:extLst>
-            </a:blip>
-            <a:stretch>
-              <a:fillRect/>
-            </a:stretch>
-          </p:blipFill>
-          <p:spPr>
-            <a:xfrm>
-              <a:off x="1762800" y="3339625"/>
-              <a:ext cx="616459" cy="569554"/>
-            </a:xfrm>
-            <a:prstGeom prst="rect">
-              <a:avLst/>
-            </a:prstGeom>
-          </p:spPr>
-        </p:pic>
-        <p:sp>
-          <p:nvSpPr>
-            <p:cNvPr id="16" name="TextBox 15"/>
-            <p:cNvSpPr txBox="1"/>
-            <p:nvPr userDrawn="1"/>
-          </p:nvSpPr>
-          <p:spPr>
-            <a:xfrm>
-              <a:off x="2626057" y="3385959"/>
-              <a:ext cx="2848980" cy="523220"/>
-            </a:xfrm>
-            <a:prstGeom prst="rect">
-              <a:avLst/>
-            </a:prstGeom>
-            <a:noFill/>
-          </p:spPr>
-          <p:txBody>
-            <a:bodyPr wrap="square" rtlCol="0">
-              <a:spAutoFit/>
-            </a:bodyPr>
-            <a:lstStyle/>
-            <a:p>
-              <a:r>
-                <a:rPr lang="fi-FI" sz="2800" dirty="0" smtClean="0">
-                  <a:solidFill>
-                    <a:srgbClr val="0069AE"/>
-                  </a:solidFill>
-                </a:rPr>
-                <a:t>sippe.turkuamk.fi</a:t>
-              </a:r>
-              <a:endParaRPr lang="fi-FI" sz="2800" dirty="0">
-                <a:solidFill>
-                  <a:srgbClr val="0069AE"/>
-                </a:solidFill>
-              </a:endParaRPr>
-            </a:p>
-          </p:txBody>
-        </p:sp>
-      </p:grpSp>
-      <p:sp>
-        <p:nvSpPr>
           <p:cNvPr id="5" name="Rectangle 4"/>
           <p:cNvSpPr/>
           <p:nvPr userDrawn="1"/>
         </p:nvSpPr>
         <p:spPr>
           <a:xfrm>
-            <a:off x="0" y="0"/>
-            <a:ext cx="12192000" cy="4094328"/>
+            <a:off x="218090" y="197069"/>
+            <a:ext cx="11755820" cy="6448719"/>
           </a:xfrm>
           <a:prstGeom prst="rect">
             <a:avLst/>
           </a:prstGeom>
           <a:solidFill>
-            <a:srgbClr val="34943F"/>
+            <a:srgbClr val="1B71B8"/>
           </a:solidFill>
           <a:ln>
             <a:noFill/>
@@ -1023,6 +2201,82 @@
           </a:p>
         </p:txBody>
       </p:sp>
+      <p:pic>
+        <p:nvPicPr>
+          <p:cNvPr id="20" name="Picture 19"/>
+          <p:cNvPicPr>
+            <a:picLocks noChangeAspect="1"/>
+          </p:cNvPicPr>
+          <p:nvPr userDrawn="1"/>
+        </p:nvPicPr>
+        <p:blipFill>
+          <a:blip r:embed="rId2">
+            <a:extLst>
+              <a:ext uri="{28A0092B-C50C-407E-A947-70E740481C1C}">
+                <a14:useLocalDpi xmlns:a14="http://schemas.microsoft.com/office/drawing/2010/main" val="0"/>
+              </a:ext>
+            </a:extLst>
+          </a:blip>
+          <a:stretch>
+            <a:fillRect/>
+          </a:stretch>
+        </p:blipFill>
+        <p:spPr>
+          <a:xfrm>
+            <a:off x="622876" y="3712278"/>
+            <a:ext cx="4650874" cy="3348630"/>
+          </a:xfrm>
+          <a:prstGeom prst="rect">
+            <a:avLst/>
+          </a:prstGeom>
+        </p:spPr>
+      </p:pic>
+      <p:sp>
+        <p:nvSpPr>
+          <p:cNvPr id="16" name="TextBox 15"/>
+          <p:cNvSpPr txBox="1"/>
+          <p:nvPr userDrawn="1"/>
+        </p:nvSpPr>
+        <p:spPr>
+          <a:xfrm>
+            <a:off x="6808994" y="4428294"/>
+            <a:ext cx="4929350" cy="523220"/>
+          </a:xfrm>
+          <a:prstGeom prst="rect">
+            <a:avLst/>
+          </a:prstGeom>
+          <a:noFill/>
+        </p:spPr>
+        <p:txBody>
+          <a:bodyPr wrap="square" rtlCol="0">
+            <a:spAutoFit/>
+          </a:bodyPr>
+          <a:lstStyle/>
+          <a:p>
+            <a:r>
+              <a:rPr lang="fi-FI" sz="2800" b="1" dirty="0" smtClean="0">
+                <a:solidFill>
+                  <a:schemeClr val="bg1"/>
+                </a:solidFill>
+              </a:rPr>
+              <a:t>facebook.com/</a:t>
+            </a:r>
+            <a:r>
+              <a:rPr lang="fi-FI" sz="2800" b="1" dirty="0" err="1" smtClean="0">
+                <a:solidFill>
+                  <a:schemeClr val="bg1"/>
+                </a:solidFill>
+              </a:rPr>
+              <a:t>OnBoard-Med</a:t>
+            </a:r>
+            <a:endParaRPr lang="fi-FI" sz="2800" b="1" dirty="0" smtClean="0">
+              <a:solidFill>
+                <a:schemeClr val="bg1"/>
+              </a:solidFill>
+            </a:endParaRPr>
+          </a:p>
+        </p:txBody>
+      </p:sp>
       <p:sp>
         <p:nvSpPr>
           <p:cNvPr id="7" name="TextBox 6"/>
@@ -1031,7 +2285,7 @@
         </p:nvSpPr>
         <p:spPr>
           <a:xfrm>
-            <a:off x="2379259" y="1262334"/>
+            <a:off x="2379259" y="1299487"/>
             <a:ext cx="7433482" cy="1569660"/>
           </a:xfrm>
           <a:prstGeom prst="rect">
@@ -1070,26 +2324,809 @@
           </a:p>
         </p:txBody>
       </p:sp>
+      <p:grpSp>
+        <p:nvGrpSpPr>
+          <p:cNvPr id="36" name="Group 35"/>
+          <p:cNvGrpSpPr/>
+          <p:nvPr userDrawn="1"/>
+        </p:nvGrpSpPr>
+        <p:grpSpPr>
+          <a:xfrm>
+            <a:off x="0" y="6813863"/>
+            <a:ext cx="12192000" cy="45719"/>
+            <a:chOff x="3798094" y="1784360"/>
+            <a:chExt cx="4591050" cy="71717"/>
+          </a:xfrm>
+        </p:grpSpPr>
+        <p:sp>
+          <p:nvSpPr>
+            <p:cNvPr id="37" name="Rectangle 36"/>
+            <p:cNvSpPr/>
+            <p:nvPr userDrawn="1"/>
+          </p:nvSpPr>
+          <p:spPr>
+            <a:xfrm>
+              <a:off x="4093369" y="1784360"/>
+              <a:ext cx="2876550" cy="71717"/>
+            </a:xfrm>
+            <a:prstGeom prst="rect">
+              <a:avLst/>
+            </a:prstGeom>
+            <a:solidFill>
+              <a:srgbClr val="1B71B8"/>
+            </a:solidFill>
+            <a:ln>
+              <a:noFill/>
+            </a:ln>
+          </p:spPr>
+          <p:style>
+            <a:lnRef idx="2">
+              <a:schemeClr val="accent1">
+                <a:shade val="50000"/>
+              </a:schemeClr>
+            </a:lnRef>
+            <a:fillRef idx="1">
+              <a:schemeClr val="accent1"/>
+            </a:fillRef>
+            <a:effectRef idx="0">
+              <a:schemeClr val="accent1"/>
+            </a:effectRef>
+            <a:fontRef idx="minor">
+              <a:schemeClr val="lt1"/>
+            </a:fontRef>
+          </p:style>
+          <p:txBody>
+            <a:bodyPr rtlCol="0" anchor="ctr"/>
+            <a:lstStyle/>
+            <a:p>
+              <a:pPr algn="ctr"/>
+              <a:endParaRPr lang="fi-FI"/>
+            </a:p>
+          </p:txBody>
+        </p:sp>
+        <p:sp>
+          <p:nvSpPr>
+            <p:cNvPr id="38" name="Rectangle 37"/>
+            <p:cNvSpPr/>
+            <p:nvPr userDrawn="1"/>
+          </p:nvSpPr>
+          <p:spPr>
+            <a:xfrm>
+              <a:off x="6969919" y="1784360"/>
+              <a:ext cx="1419225" cy="71717"/>
+            </a:xfrm>
+            <a:prstGeom prst="rect">
+              <a:avLst/>
+            </a:prstGeom>
+            <a:solidFill>
+              <a:srgbClr val="E30614"/>
+            </a:solidFill>
+            <a:ln>
+              <a:noFill/>
+            </a:ln>
+          </p:spPr>
+          <p:style>
+            <a:lnRef idx="2">
+              <a:schemeClr val="accent1">
+                <a:shade val="50000"/>
+              </a:schemeClr>
+            </a:lnRef>
+            <a:fillRef idx="1">
+              <a:schemeClr val="accent1"/>
+            </a:fillRef>
+            <a:effectRef idx="0">
+              <a:schemeClr val="accent1"/>
+            </a:effectRef>
+            <a:fontRef idx="minor">
+              <a:schemeClr val="lt1"/>
+            </a:fontRef>
+          </p:style>
+          <p:txBody>
+            <a:bodyPr rtlCol="0" anchor="ctr"/>
+            <a:lstStyle/>
+            <a:p>
+              <a:pPr algn="ctr"/>
+              <a:endParaRPr lang="fi-FI"/>
+            </a:p>
+          </p:txBody>
+        </p:sp>
+        <p:sp>
+          <p:nvSpPr>
+            <p:cNvPr id="39" name="Rectangle 38"/>
+            <p:cNvSpPr/>
+            <p:nvPr userDrawn="1"/>
+          </p:nvSpPr>
+          <p:spPr>
+            <a:xfrm>
+              <a:off x="3798094" y="1784360"/>
+              <a:ext cx="295275" cy="71717"/>
+            </a:xfrm>
+            <a:prstGeom prst="rect">
+              <a:avLst/>
+            </a:prstGeom>
+            <a:solidFill>
+              <a:srgbClr val="90B4D8"/>
+            </a:solidFill>
+            <a:ln>
+              <a:noFill/>
+            </a:ln>
+          </p:spPr>
+          <p:style>
+            <a:lnRef idx="2">
+              <a:schemeClr val="accent1">
+                <a:shade val="50000"/>
+              </a:schemeClr>
+            </a:lnRef>
+            <a:fillRef idx="1">
+              <a:schemeClr val="accent1"/>
+            </a:fillRef>
+            <a:effectRef idx="0">
+              <a:schemeClr val="accent1"/>
+            </a:effectRef>
+            <a:fontRef idx="minor">
+              <a:schemeClr val="lt1"/>
+            </a:fontRef>
+          </p:style>
+          <p:txBody>
+            <a:bodyPr rtlCol="0" anchor="ctr"/>
+            <a:lstStyle/>
+            <a:p>
+              <a:pPr algn="ctr"/>
+              <a:endParaRPr lang="fi-FI"/>
+            </a:p>
+          </p:txBody>
+        </p:sp>
+      </p:grpSp>
+      <p:grpSp>
+        <p:nvGrpSpPr>
+          <p:cNvPr id="15" name="Group 14"/>
+          <p:cNvGrpSpPr/>
+          <p:nvPr userDrawn="1"/>
+        </p:nvGrpSpPr>
+        <p:grpSpPr>
+          <a:xfrm>
+            <a:off x="6039965" y="3752849"/>
+            <a:ext cx="608140" cy="1823777"/>
+            <a:chOff x="5123051" y="3049811"/>
+            <a:chExt cx="811730" cy="2434330"/>
+          </a:xfrm>
+        </p:grpSpPr>
+        <p:pic>
+          <p:nvPicPr>
+            <p:cNvPr id="14" name="Picture 13"/>
+            <p:cNvPicPr>
+              <a:picLocks noChangeAspect="1"/>
+            </p:cNvPicPr>
+            <p:nvPr userDrawn="1"/>
+          </p:nvPicPr>
+          <p:blipFill rotWithShape="1">
+            <a:blip r:embed="rId3" cstate="print">
+              <a:extLst>
+                <a:ext uri="{28A0092B-C50C-407E-A947-70E740481C1C}">
+                  <a14:useLocalDpi xmlns:a14="http://schemas.microsoft.com/office/drawing/2010/main" val="0"/>
+                </a:ext>
+              </a:extLst>
+            </a:blip>
+            <a:srcRect l="31124" r="34786"/>
+            <a:stretch/>
+          </p:blipFill>
+          <p:spPr>
+            <a:xfrm>
+              <a:off x="5123051" y="3917788"/>
+              <a:ext cx="797441" cy="731894"/>
+            </a:xfrm>
+            <a:prstGeom prst="rect">
+              <a:avLst/>
+            </a:prstGeom>
+          </p:spPr>
+        </p:pic>
+        <p:pic>
+          <p:nvPicPr>
+            <p:cNvPr id="40" name="Picture 39"/>
+            <p:cNvPicPr>
+              <a:picLocks noChangeAspect="1"/>
+            </p:cNvPicPr>
+            <p:nvPr userDrawn="1"/>
+          </p:nvPicPr>
+          <p:blipFill rotWithShape="1">
+            <a:blip r:embed="rId3" cstate="print">
+              <a:extLst>
+                <a:ext uri="{28A0092B-C50C-407E-A947-70E740481C1C}">
+                  <a14:useLocalDpi xmlns:a14="http://schemas.microsoft.com/office/drawing/2010/main" val="0"/>
+                </a:ext>
+              </a:extLst>
+            </a:blip>
+            <a:srcRect r="68876"/>
+            <a:stretch/>
+          </p:blipFill>
+          <p:spPr>
+            <a:xfrm>
+              <a:off x="5206741" y="3049811"/>
+              <a:ext cx="728040" cy="731894"/>
+            </a:xfrm>
+            <a:prstGeom prst="rect">
+              <a:avLst/>
+            </a:prstGeom>
+          </p:spPr>
+        </p:pic>
+        <p:pic>
+          <p:nvPicPr>
+            <p:cNvPr id="41" name="Picture 40"/>
+            <p:cNvPicPr>
+              <a:picLocks noChangeAspect="1"/>
+            </p:cNvPicPr>
+            <p:nvPr userDrawn="1"/>
+          </p:nvPicPr>
+          <p:blipFill rotWithShape="1">
+            <a:blip r:embed="rId3" cstate="print">
+              <a:extLst>
+                <a:ext uri="{28A0092B-C50C-407E-A947-70E740481C1C}">
+                  <a14:useLocalDpi xmlns:a14="http://schemas.microsoft.com/office/drawing/2010/main" val="0"/>
+                </a:ext>
+              </a:extLst>
+            </a:blip>
+            <a:srcRect l="65214"/>
+            <a:stretch/>
+          </p:blipFill>
+          <p:spPr>
+            <a:xfrm>
+              <a:off x="5143359" y="4858729"/>
+              <a:ext cx="695325" cy="625412"/>
+            </a:xfrm>
+            <a:prstGeom prst="rect">
+              <a:avLst/>
+            </a:prstGeom>
+          </p:spPr>
+        </p:pic>
+      </p:grpSp>
+      <p:sp>
+        <p:nvSpPr>
+          <p:cNvPr id="43" name="TextBox 42"/>
+          <p:cNvSpPr txBox="1"/>
+          <p:nvPr userDrawn="1"/>
+        </p:nvSpPr>
+        <p:spPr>
+          <a:xfrm>
+            <a:off x="6808992" y="5053407"/>
+            <a:ext cx="4929352" cy="523220"/>
+          </a:xfrm>
+          <a:prstGeom prst="rect">
+            <a:avLst/>
+          </a:prstGeom>
+          <a:noFill/>
+        </p:spPr>
+        <p:txBody>
+          <a:bodyPr wrap="square" rtlCol="0">
+            <a:normAutofit/>
+          </a:bodyPr>
+          <a:lstStyle/>
+          <a:p>
+            <a:r>
+              <a:rPr lang="fi-FI" sz="2800" b="1" dirty="0" smtClean="0">
+                <a:solidFill>
+                  <a:schemeClr val="bg1"/>
+                </a:solidFill>
+              </a:rPr>
+              <a:t>your.email@here.com</a:t>
+            </a:r>
+          </a:p>
+        </p:txBody>
+      </p:sp>
+      <p:sp>
+        <p:nvSpPr>
+          <p:cNvPr id="44" name="TextBox 43"/>
+          <p:cNvSpPr txBox="1"/>
+          <p:nvPr userDrawn="1"/>
+        </p:nvSpPr>
+        <p:spPr>
+          <a:xfrm>
+            <a:off x="6808994" y="3803181"/>
+            <a:ext cx="4929350" cy="523220"/>
+          </a:xfrm>
+          <a:prstGeom prst="rect">
+            <a:avLst/>
+          </a:prstGeom>
+          <a:noFill/>
+        </p:spPr>
+        <p:txBody>
+          <a:bodyPr wrap="square" rtlCol="0">
+            <a:spAutoFit/>
+          </a:bodyPr>
+          <a:lstStyle/>
+          <a:p>
+            <a:r>
+              <a:rPr lang="fi-FI" sz="2800" b="1" dirty="0" smtClean="0">
+                <a:solidFill>
+                  <a:schemeClr val="bg1"/>
+                </a:solidFill>
+              </a:rPr>
+              <a:t>onboardmed.turkuamk.fi</a:t>
+            </a:r>
+          </a:p>
+        </p:txBody>
+      </p:sp>
+    </p:spTree>
+    <p:extLst>
+      <p:ext uri="{BB962C8B-B14F-4D97-AF65-F5344CB8AC3E}">
+        <p14:creationId xmlns:p14="http://schemas.microsoft.com/office/powerpoint/2010/main" val="2604212404"/>
+      </p:ext>
+    </p:extLst>
+  </p:cSld>
+  <p:clrMapOvr>
+    <a:masterClrMapping/>
+  </p:clrMapOvr>
+  <p:timing>
+    <p:tnLst>
+      <p:par>
+        <p:cTn id="1" dur="indefinite" restart="never" nodeType="tmRoot"/>
+      </p:par>
+    </p:tnLst>
+  </p:timing>
+</p:sldLayout>
+</file>
+
+<file path=ppt/slideLayouts/slideLayout6.xml><?xml version="1.0" encoding="utf-8"?>
+<p:sldLayout xmlns:a="http://schemas.openxmlformats.org/drawingml/2006/main" xmlns:r="http://schemas.openxmlformats.org/officeDocument/2006/relationships" xmlns:p="http://schemas.openxmlformats.org/presentationml/2006/main" preserve="1" userDrawn="1">
+  <p:cSld name="Alternative ending">
+    <p:spTree>
+      <p:nvGrpSpPr>
+        <p:cNvPr id="1" name=""/>
+        <p:cNvGrpSpPr/>
+        <p:nvPr/>
+      </p:nvGrpSpPr>
+      <p:grpSpPr>
+        <a:xfrm>
+          <a:off x="0" y="0"/>
+          <a:ext cx="0" cy="0"/>
+          <a:chOff x="0" y="0"/>
+          <a:chExt cx="0" cy="0"/>
+        </a:xfrm>
+      </p:grpSpPr>
+      <p:sp>
+        <p:nvSpPr>
+          <p:cNvPr id="16" name="TextBox 15"/>
+          <p:cNvSpPr txBox="1"/>
+          <p:nvPr userDrawn="1"/>
+        </p:nvSpPr>
+        <p:spPr>
+          <a:xfrm>
+            <a:off x="3711070" y="4605061"/>
+            <a:ext cx="4929350" cy="523220"/>
+          </a:xfrm>
+          <a:prstGeom prst="rect">
+            <a:avLst/>
+          </a:prstGeom>
+          <a:noFill/>
+        </p:spPr>
+        <p:txBody>
+          <a:bodyPr wrap="square" rtlCol="0">
+            <a:spAutoFit/>
+          </a:bodyPr>
+          <a:lstStyle/>
+          <a:p>
+            <a:r>
+              <a:rPr lang="fi-FI" sz="2800" b="1" dirty="0" smtClean="0">
+                <a:solidFill>
+                  <a:srgbClr val="1B71B8"/>
+                </a:solidFill>
+              </a:rPr>
+              <a:t>facebook.com/</a:t>
+            </a:r>
+            <a:r>
+              <a:rPr lang="fi-FI" sz="2800" b="1" dirty="0" err="1" smtClean="0">
+                <a:solidFill>
+                  <a:srgbClr val="1B71B8"/>
+                </a:solidFill>
+              </a:rPr>
+              <a:t>OnBoard-Med</a:t>
+            </a:r>
+            <a:endParaRPr lang="fi-FI" sz="2800" b="1" dirty="0" smtClean="0">
+              <a:solidFill>
+                <a:srgbClr val="1B71B8"/>
+              </a:solidFill>
+            </a:endParaRPr>
+          </a:p>
+        </p:txBody>
+      </p:sp>
+      <p:sp>
+        <p:nvSpPr>
+          <p:cNvPr id="7" name="TextBox 6"/>
+          <p:cNvSpPr txBox="1"/>
+          <p:nvPr userDrawn="1"/>
+        </p:nvSpPr>
+        <p:spPr>
+          <a:xfrm>
+            <a:off x="2379259" y="1299487"/>
+            <a:ext cx="7433482" cy="1569660"/>
+          </a:xfrm>
+          <a:prstGeom prst="rect">
+            <a:avLst/>
+          </a:prstGeom>
+          <a:noFill/>
+        </p:spPr>
+        <p:txBody>
+          <a:bodyPr wrap="square" rtlCol="0">
+            <a:spAutoFit/>
+          </a:bodyPr>
+          <a:lstStyle/>
+          <a:p>
+            <a:pPr algn="ctr"/>
+            <a:r>
+              <a:rPr lang="fi-FI" sz="9600" b="1" dirty="0" smtClean="0">
+                <a:solidFill>
+                  <a:schemeClr val="bg1"/>
+                </a:solidFill>
+              </a:rPr>
+              <a:t>THANK</a:t>
+            </a:r>
+            <a:r>
+              <a:rPr lang="fi-FI" sz="9600" b="1" baseline="0" dirty="0" smtClean="0">
+                <a:solidFill>
+                  <a:schemeClr val="bg1"/>
+                </a:solidFill>
+              </a:rPr>
+              <a:t> YOU!</a:t>
+            </a:r>
+            <a:endParaRPr lang="fi-FI" sz="9600" b="1" dirty="0">
+              <a:solidFill>
+                <a:schemeClr val="bg1"/>
+              </a:solidFill>
+            </a:endParaRPr>
+          </a:p>
+        </p:txBody>
+      </p:sp>
+      <p:grpSp>
+        <p:nvGrpSpPr>
+          <p:cNvPr id="36" name="Group 35"/>
+          <p:cNvGrpSpPr/>
+          <p:nvPr userDrawn="1"/>
+        </p:nvGrpSpPr>
+        <p:grpSpPr>
+          <a:xfrm>
+            <a:off x="0" y="6813863"/>
+            <a:ext cx="12192000" cy="45719"/>
+            <a:chOff x="3798094" y="1784360"/>
+            <a:chExt cx="4591050" cy="71717"/>
+          </a:xfrm>
+        </p:grpSpPr>
+        <p:sp>
+          <p:nvSpPr>
+            <p:cNvPr id="37" name="Rectangle 36"/>
+            <p:cNvSpPr/>
+            <p:nvPr userDrawn="1"/>
+          </p:nvSpPr>
+          <p:spPr>
+            <a:xfrm>
+              <a:off x="4093369" y="1784360"/>
+              <a:ext cx="2876550" cy="71717"/>
+            </a:xfrm>
+            <a:prstGeom prst="rect">
+              <a:avLst/>
+            </a:prstGeom>
+            <a:solidFill>
+              <a:srgbClr val="1B71B8"/>
+            </a:solidFill>
+            <a:ln>
+              <a:noFill/>
+            </a:ln>
+          </p:spPr>
+          <p:style>
+            <a:lnRef idx="2">
+              <a:schemeClr val="accent1">
+                <a:shade val="50000"/>
+              </a:schemeClr>
+            </a:lnRef>
+            <a:fillRef idx="1">
+              <a:schemeClr val="accent1"/>
+            </a:fillRef>
+            <a:effectRef idx="0">
+              <a:schemeClr val="accent1"/>
+            </a:effectRef>
+            <a:fontRef idx="minor">
+              <a:schemeClr val="lt1"/>
+            </a:fontRef>
+          </p:style>
+          <p:txBody>
+            <a:bodyPr rtlCol="0" anchor="ctr"/>
+            <a:lstStyle/>
+            <a:p>
+              <a:pPr algn="ctr"/>
+              <a:endParaRPr lang="fi-FI"/>
+            </a:p>
+          </p:txBody>
+        </p:sp>
+        <p:sp>
+          <p:nvSpPr>
+            <p:cNvPr id="38" name="Rectangle 37"/>
+            <p:cNvSpPr/>
+            <p:nvPr userDrawn="1"/>
+          </p:nvSpPr>
+          <p:spPr>
+            <a:xfrm>
+              <a:off x="6969919" y="1784360"/>
+              <a:ext cx="1419225" cy="71717"/>
+            </a:xfrm>
+            <a:prstGeom prst="rect">
+              <a:avLst/>
+            </a:prstGeom>
+            <a:solidFill>
+              <a:srgbClr val="E30614"/>
+            </a:solidFill>
+            <a:ln>
+              <a:noFill/>
+            </a:ln>
+          </p:spPr>
+          <p:style>
+            <a:lnRef idx="2">
+              <a:schemeClr val="accent1">
+                <a:shade val="50000"/>
+              </a:schemeClr>
+            </a:lnRef>
+            <a:fillRef idx="1">
+              <a:schemeClr val="accent1"/>
+            </a:fillRef>
+            <a:effectRef idx="0">
+              <a:schemeClr val="accent1"/>
+            </a:effectRef>
+            <a:fontRef idx="minor">
+              <a:schemeClr val="lt1"/>
+            </a:fontRef>
+          </p:style>
+          <p:txBody>
+            <a:bodyPr rtlCol="0" anchor="ctr"/>
+            <a:lstStyle/>
+            <a:p>
+              <a:pPr algn="ctr"/>
+              <a:endParaRPr lang="fi-FI"/>
+            </a:p>
+          </p:txBody>
+        </p:sp>
+        <p:sp>
+          <p:nvSpPr>
+            <p:cNvPr id="39" name="Rectangle 38"/>
+            <p:cNvSpPr/>
+            <p:nvPr userDrawn="1"/>
+          </p:nvSpPr>
+          <p:spPr>
+            <a:xfrm>
+              <a:off x="3798094" y="1784360"/>
+              <a:ext cx="295275" cy="71717"/>
+            </a:xfrm>
+            <a:prstGeom prst="rect">
+              <a:avLst/>
+            </a:prstGeom>
+            <a:solidFill>
+              <a:srgbClr val="90B4D8"/>
+            </a:solidFill>
+            <a:ln>
+              <a:noFill/>
+            </a:ln>
+          </p:spPr>
+          <p:style>
+            <a:lnRef idx="2">
+              <a:schemeClr val="accent1">
+                <a:shade val="50000"/>
+              </a:schemeClr>
+            </a:lnRef>
+            <a:fillRef idx="1">
+              <a:schemeClr val="accent1"/>
+            </a:fillRef>
+            <a:effectRef idx="0">
+              <a:schemeClr val="accent1"/>
+            </a:effectRef>
+            <a:fontRef idx="minor">
+              <a:schemeClr val="lt1"/>
+            </a:fontRef>
+          </p:style>
+          <p:txBody>
+            <a:bodyPr rtlCol="0" anchor="ctr"/>
+            <a:lstStyle/>
+            <a:p>
+              <a:pPr algn="ctr"/>
+              <a:endParaRPr lang="fi-FI"/>
+            </a:p>
+          </p:txBody>
+        </p:sp>
+      </p:grpSp>
+      <p:grpSp>
+        <p:nvGrpSpPr>
+          <p:cNvPr id="15" name="Group 14"/>
+          <p:cNvGrpSpPr/>
+          <p:nvPr userDrawn="1"/>
+        </p:nvGrpSpPr>
+        <p:grpSpPr>
+          <a:xfrm>
+            <a:off x="2942041" y="3929616"/>
+            <a:ext cx="608140" cy="1823777"/>
+            <a:chOff x="5123051" y="3049811"/>
+            <a:chExt cx="811730" cy="2434330"/>
+          </a:xfrm>
+        </p:grpSpPr>
+        <p:pic>
+          <p:nvPicPr>
+            <p:cNvPr id="14" name="Picture 13"/>
+            <p:cNvPicPr>
+              <a:picLocks noChangeAspect="1"/>
+            </p:cNvPicPr>
+            <p:nvPr userDrawn="1"/>
+          </p:nvPicPr>
+          <p:blipFill rotWithShape="1">
+            <a:blip r:embed="rId2" cstate="print">
+              <a:duotone>
+                <a:prstClr val="black"/>
+                <a:schemeClr val="accent1">
+                  <a:tint val="45000"/>
+                  <a:satMod val="400000"/>
+                </a:schemeClr>
+              </a:duotone>
+              <a:extLst>
+                <a:ext uri="{28A0092B-C50C-407E-A947-70E740481C1C}">
+                  <a14:useLocalDpi xmlns:a14="http://schemas.microsoft.com/office/drawing/2010/main" val="0"/>
+                </a:ext>
+              </a:extLst>
+            </a:blip>
+            <a:srcRect l="31124" r="34786"/>
+            <a:stretch/>
+          </p:blipFill>
+          <p:spPr>
+            <a:xfrm>
+              <a:off x="5123051" y="3917788"/>
+              <a:ext cx="797441" cy="731894"/>
+            </a:xfrm>
+            <a:prstGeom prst="rect">
+              <a:avLst/>
+            </a:prstGeom>
+          </p:spPr>
+        </p:pic>
+        <p:pic>
+          <p:nvPicPr>
+            <p:cNvPr id="40" name="Picture 39"/>
+            <p:cNvPicPr>
+              <a:picLocks noChangeAspect="1"/>
+            </p:cNvPicPr>
+            <p:nvPr userDrawn="1"/>
+          </p:nvPicPr>
+          <p:blipFill rotWithShape="1">
+            <a:blip r:embed="rId2" cstate="print">
+              <a:duotone>
+                <a:prstClr val="black"/>
+                <a:schemeClr val="accent1">
+                  <a:tint val="45000"/>
+                  <a:satMod val="400000"/>
+                </a:schemeClr>
+              </a:duotone>
+              <a:extLst>
+                <a:ext uri="{28A0092B-C50C-407E-A947-70E740481C1C}">
+                  <a14:useLocalDpi xmlns:a14="http://schemas.microsoft.com/office/drawing/2010/main" val="0"/>
+                </a:ext>
+              </a:extLst>
+            </a:blip>
+            <a:srcRect r="68876"/>
+            <a:stretch/>
+          </p:blipFill>
+          <p:spPr>
+            <a:xfrm>
+              <a:off x="5206741" y="3049811"/>
+              <a:ext cx="728040" cy="731894"/>
+            </a:xfrm>
+            <a:prstGeom prst="rect">
+              <a:avLst/>
+            </a:prstGeom>
+          </p:spPr>
+        </p:pic>
+        <p:pic>
+          <p:nvPicPr>
+            <p:cNvPr id="41" name="Picture 40"/>
+            <p:cNvPicPr>
+              <a:picLocks noChangeAspect="1"/>
+            </p:cNvPicPr>
+            <p:nvPr userDrawn="1"/>
+          </p:nvPicPr>
+          <p:blipFill rotWithShape="1">
+            <a:blip r:embed="rId2" cstate="print">
+              <a:duotone>
+                <a:prstClr val="black"/>
+                <a:schemeClr val="accent1">
+                  <a:tint val="45000"/>
+                  <a:satMod val="400000"/>
+                </a:schemeClr>
+              </a:duotone>
+              <a:extLst>
+                <a:ext uri="{28A0092B-C50C-407E-A947-70E740481C1C}">
+                  <a14:useLocalDpi xmlns:a14="http://schemas.microsoft.com/office/drawing/2010/main" val="0"/>
+                </a:ext>
+              </a:extLst>
+            </a:blip>
+            <a:srcRect l="65214"/>
+            <a:stretch/>
+          </p:blipFill>
+          <p:spPr>
+            <a:xfrm>
+              <a:off x="5143359" y="4858729"/>
+              <a:ext cx="695325" cy="625412"/>
+            </a:xfrm>
+            <a:prstGeom prst="rect">
+              <a:avLst/>
+            </a:prstGeom>
+          </p:spPr>
+        </p:pic>
+      </p:grpSp>
+      <p:sp>
+        <p:nvSpPr>
+          <p:cNvPr id="43" name="TextBox 42"/>
+          <p:cNvSpPr txBox="1"/>
+          <p:nvPr userDrawn="1"/>
+        </p:nvSpPr>
+        <p:spPr>
+          <a:xfrm>
+            <a:off x="3711068" y="5230174"/>
+            <a:ext cx="4929352" cy="523220"/>
+          </a:xfrm>
+          <a:prstGeom prst="rect">
+            <a:avLst/>
+          </a:prstGeom>
+          <a:noFill/>
+        </p:spPr>
+        <p:txBody>
+          <a:bodyPr wrap="square" rtlCol="0">
+            <a:normAutofit/>
+          </a:bodyPr>
+          <a:lstStyle/>
+          <a:p>
+            <a:r>
+              <a:rPr lang="fi-FI" sz="2800" b="1" dirty="0" smtClean="0">
+                <a:solidFill>
+                  <a:srgbClr val="1B71B8"/>
+                </a:solidFill>
+              </a:rPr>
+              <a:t>your.email@here.com</a:t>
+            </a:r>
+          </a:p>
+        </p:txBody>
+      </p:sp>
+      <p:sp>
+        <p:nvSpPr>
+          <p:cNvPr id="44" name="TextBox 43"/>
+          <p:cNvSpPr txBox="1"/>
+          <p:nvPr userDrawn="1"/>
+        </p:nvSpPr>
+        <p:spPr>
+          <a:xfrm>
+            <a:off x="3711070" y="3979948"/>
+            <a:ext cx="4929350" cy="523220"/>
+          </a:xfrm>
+          <a:prstGeom prst="rect">
+            <a:avLst/>
+          </a:prstGeom>
+          <a:noFill/>
+        </p:spPr>
+        <p:txBody>
+          <a:bodyPr wrap="square" rtlCol="0">
+            <a:spAutoFit/>
+          </a:bodyPr>
+          <a:lstStyle/>
+          <a:p>
+            <a:r>
+              <a:rPr lang="fi-FI" sz="2800" b="1" dirty="0" smtClean="0">
+                <a:solidFill>
+                  <a:srgbClr val="1B71B8"/>
+                </a:solidFill>
+              </a:rPr>
+              <a:t>onboardmed.turkuamk.fi</a:t>
+            </a:r>
+          </a:p>
+        </p:txBody>
+      </p:sp>
       <p:pic>
         <p:nvPicPr>
-          <p:cNvPr id="12" name="Picture 11" descr="Screen Clipping"/>
+          <p:cNvPr id="17" name="Picture 16"/>
           <p:cNvPicPr>
             <a:picLocks noChangeAspect="1"/>
           </p:cNvPicPr>
           <p:nvPr userDrawn="1"/>
         </p:nvPicPr>
         <p:blipFill>
-          <a:blip r:embed="rId3" cstate="print">
-            <a:clrChange>
-              <a:clrFrom>
-                <a:srgbClr val="F0F0F0"/>
-              </a:clrFrom>
-              <a:clrTo>
-                <a:srgbClr val="F0F0F0">
-                  <a:alpha val="0"/>
-                </a:srgbClr>
-              </a:clrTo>
-            </a:clrChange>
+          <a:blip r:embed="rId3">
             <a:extLst>
               <a:ext uri="{28A0092B-C50C-407E-A947-70E740481C1C}">
                 <a14:useLocalDpi xmlns:a14="http://schemas.microsoft.com/office/drawing/2010/main" val="0"/>
@@ -1102,434 +3139,18 @@
         </p:blipFill>
         <p:spPr>
           <a:xfrm>
-            <a:off x="1816814" y="5263632"/>
-            <a:ext cx="654657" cy="527420"/>
+            <a:off x="2725191" y="1020021"/>
+            <a:ext cx="6741620" cy="2238218"/>
           </a:xfrm>
           <a:prstGeom prst="rect">
             <a:avLst/>
           </a:prstGeom>
         </p:spPr>
       </p:pic>
-      <p:grpSp>
-        <p:nvGrpSpPr>
-          <p:cNvPr id="18" name="Group 17"/>
-          <p:cNvGrpSpPr/>
-          <p:nvPr userDrawn="1"/>
-        </p:nvGrpSpPr>
-        <p:grpSpPr>
-          <a:xfrm>
-            <a:off x="6097307" y="4378272"/>
-            <a:ext cx="5137834" cy="602554"/>
-            <a:chOff x="1762800" y="4333250"/>
-            <a:chExt cx="5137834" cy="602554"/>
-          </a:xfrm>
-        </p:grpSpPr>
-        <p:pic>
-          <p:nvPicPr>
-            <p:cNvPr id="10" name="Picture 9" descr="Screen Clipping"/>
-            <p:cNvPicPr>
-              <a:picLocks noChangeAspect="1"/>
-            </p:cNvPicPr>
-            <p:nvPr userDrawn="1"/>
-          </p:nvPicPr>
-          <p:blipFill>
-            <a:blip r:embed="rId4" cstate="print">
-              <a:clrChange>
-                <a:clrFrom>
-                  <a:srgbClr val="F4F4F4"/>
-                </a:clrFrom>
-                <a:clrTo>
-                  <a:srgbClr val="F4F4F4">
-                    <a:alpha val="0"/>
-                  </a:srgbClr>
-                </a:clrTo>
-              </a:clrChange>
-              <a:extLst>
-                <a:ext uri="{28A0092B-C50C-407E-A947-70E740481C1C}">
-                  <a14:useLocalDpi xmlns:a14="http://schemas.microsoft.com/office/drawing/2010/main" val="0"/>
-                </a:ext>
-              </a:extLst>
-            </a:blip>
-            <a:stretch>
-              <a:fillRect/>
-            </a:stretch>
-          </p:blipFill>
-          <p:spPr>
-            <a:xfrm>
-              <a:off x="1762800" y="4333250"/>
-              <a:ext cx="616459" cy="602554"/>
-            </a:xfrm>
-            <a:prstGeom prst="rect">
-              <a:avLst/>
-            </a:prstGeom>
-          </p:spPr>
-        </p:pic>
-        <p:sp>
-          <p:nvSpPr>
-            <p:cNvPr id="17" name="TextBox 16"/>
-            <p:cNvSpPr txBox="1"/>
-            <p:nvPr userDrawn="1"/>
-          </p:nvSpPr>
-          <p:spPr>
-            <a:xfrm>
-              <a:off x="2626057" y="4372917"/>
-              <a:ext cx="4274577" cy="523220"/>
-            </a:xfrm>
-            <a:prstGeom prst="rect">
-              <a:avLst/>
-            </a:prstGeom>
-            <a:noFill/>
-          </p:spPr>
-          <p:txBody>
-            <a:bodyPr wrap="square" rtlCol="0">
-              <a:spAutoFit/>
-            </a:bodyPr>
-            <a:lstStyle/>
-            <a:p>
-              <a:r>
-                <a:rPr lang="fi-FI" sz="2800" dirty="0" smtClean="0">
-                  <a:solidFill>
-                    <a:srgbClr val="0069AE"/>
-                  </a:solidFill>
-                </a:rPr>
-                <a:t>facebook.com/</a:t>
-              </a:r>
-              <a:r>
-                <a:rPr lang="fi-FI" sz="2800" dirty="0" err="1" smtClean="0">
-                  <a:solidFill>
-                    <a:srgbClr val="0069AE"/>
-                  </a:solidFill>
-                </a:rPr>
-                <a:t>SIPPEproject</a:t>
-              </a:r>
-              <a:endParaRPr lang="fi-FI" sz="2800" dirty="0">
-                <a:solidFill>
-                  <a:srgbClr val="0069AE"/>
-                </a:solidFill>
-              </a:endParaRPr>
-            </a:p>
-          </p:txBody>
-        </p:sp>
-      </p:grpSp>
-      <p:grpSp>
-        <p:nvGrpSpPr>
-          <p:cNvPr id="33" name="Group 32"/>
-          <p:cNvGrpSpPr/>
-          <p:nvPr userDrawn="1"/>
-        </p:nvGrpSpPr>
-        <p:grpSpPr>
-          <a:xfrm>
-            <a:off x="723492" y="6072394"/>
-            <a:ext cx="10959442" cy="577639"/>
-            <a:chOff x="723492" y="6164282"/>
-            <a:chExt cx="10959442" cy="577639"/>
-          </a:xfrm>
-        </p:grpSpPr>
-        <p:pic>
-          <p:nvPicPr>
-            <p:cNvPr id="8" name="Picture 7" descr="C:\Users\marvola\AppData\Local\Microsoft\Windows\INetCache\Content.Word\sippe.jpg"/>
-            <p:cNvPicPr/>
-            <p:nvPr userDrawn="1"/>
-          </p:nvPicPr>
-          <p:blipFill>
-            <a:blip r:embed="rId5" cstate="print">
-              <a:extLst>
-                <a:ext uri="{28A0092B-C50C-407E-A947-70E740481C1C}">
-                  <a14:useLocalDpi xmlns:a14="http://schemas.microsoft.com/office/drawing/2010/main" val="0"/>
-                </a:ext>
-              </a:extLst>
-            </a:blip>
-            <a:srcRect/>
-            <a:stretch>
-              <a:fillRect/>
-            </a:stretch>
-          </p:blipFill>
-          <p:spPr bwMode="auto">
-            <a:xfrm>
-              <a:off x="10531782" y="6164282"/>
-              <a:ext cx="1151152" cy="473366"/>
-            </a:xfrm>
-            <a:prstGeom prst="rect">
-              <a:avLst/>
-            </a:prstGeom>
-            <a:noFill/>
-            <a:ln>
-              <a:noFill/>
-            </a:ln>
-          </p:spPr>
-        </p:pic>
-        <p:grpSp>
-          <p:nvGrpSpPr>
-            <p:cNvPr id="21" name="Group 20"/>
-            <p:cNvGrpSpPr/>
-            <p:nvPr userDrawn="1"/>
-          </p:nvGrpSpPr>
-          <p:grpSpPr>
-            <a:xfrm>
-              <a:off x="723492" y="6164282"/>
-              <a:ext cx="9385708" cy="577639"/>
-              <a:chOff x="722630" y="6002655"/>
-              <a:chExt cx="10859770" cy="668360"/>
-            </a:xfrm>
-          </p:grpSpPr>
-          <p:grpSp>
-            <p:nvGrpSpPr>
-              <p:cNvPr id="22" name="Group 21"/>
-              <p:cNvGrpSpPr/>
-              <p:nvPr userDrawn="1"/>
-            </p:nvGrpSpPr>
-            <p:grpSpPr>
-              <a:xfrm>
-                <a:off x="722630" y="6002655"/>
-                <a:ext cx="6496050" cy="618490"/>
-                <a:chOff x="0" y="0"/>
-                <a:chExt cx="6496050" cy="618490"/>
-              </a:xfrm>
-            </p:grpSpPr>
-            <p:pic>
-              <p:nvPicPr>
-                <p:cNvPr id="26" name="Picture 25"/>
-                <p:cNvPicPr>
-                  <a:picLocks noChangeAspect="1"/>
-                </p:cNvPicPr>
-                <p:nvPr userDrawn="1"/>
-              </p:nvPicPr>
-              <p:blipFill>
-                <a:blip r:embed="rId6" cstate="print">
-                  <a:extLst>
-                    <a:ext uri="{28A0092B-C50C-407E-A947-70E740481C1C}">
-                      <a14:useLocalDpi xmlns:a14="http://schemas.microsoft.com/office/drawing/2010/main" val="0"/>
-                    </a:ext>
-                  </a:extLst>
-                </a:blip>
-                <a:srcRect/>
-                <a:stretch>
-                  <a:fillRect/>
-                </a:stretch>
-              </p:blipFill>
-              <p:spPr bwMode="auto">
-                <a:xfrm>
-                  <a:off x="4572000" y="138223"/>
-                  <a:ext cx="1924050" cy="325120"/>
-                </a:xfrm>
-                <a:prstGeom prst="rect">
-                  <a:avLst/>
-                </a:prstGeom>
-                <a:noFill/>
-                <a:ln>
-                  <a:noFill/>
-                </a:ln>
-              </p:spPr>
-            </p:pic>
-            <p:pic>
-              <p:nvPicPr>
-                <p:cNvPr id="27" name="Picture 26" descr="C:\Users\marvola\AppData\Local\Microsoft\Windows\INetCache\Content.Word\kotikunnas_tunnus_lev5cm.jpg"/>
-                <p:cNvPicPr>
-                  <a:picLocks noChangeAspect="1"/>
-                </p:cNvPicPr>
-                <p:nvPr userDrawn="1"/>
-              </p:nvPicPr>
-              <p:blipFill>
-                <a:blip r:embed="rId7" cstate="print">
-                  <a:extLst>
-                    <a:ext uri="{28A0092B-C50C-407E-A947-70E740481C1C}">
-                      <a14:useLocalDpi xmlns:a14="http://schemas.microsoft.com/office/drawing/2010/main" val="0"/>
-                    </a:ext>
-                  </a:extLst>
-                </a:blip>
-                <a:srcRect/>
-                <a:stretch>
-                  <a:fillRect/>
-                </a:stretch>
-              </p:blipFill>
-              <p:spPr bwMode="auto">
-                <a:xfrm>
-                  <a:off x="0" y="159488"/>
-                  <a:ext cx="1800225" cy="400050"/>
-                </a:xfrm>
-                <a:prstGeom prst="rect">
-                  <a:avLst/>
-                </a:prstGeom>
-                <a:noFill/>
-                <a:ln>
-                  <a:noFill/>
-                </a:ln>
-              </p:spPr>
-            </p:pic>
-            <p:pic>
-              <p:nvPicPr>
-                <p:cNvPr id="28" name="Picture 27" descr="C:\Users\marvola\AppData\Local\Microsoft\Windows\INetCache\Content.Word\TURKU_AMK_ENG_RGB.JPG"/>
-                <p:cNvPicPr>
-                  <a:picLocks noChangeAspect="1"/>
-                </p:cNvPicPr>
-                <p:nvPr userDrawn="1"/>
-              </p:nvPicPr>
-              <p:blipFill>
-                <a:blip r:embed="rId8" cstate="print">
-                  <a:extLst>
-                    <a:ext uri="{28A0092B-C50C-407E-A947-70E740481C1C}">
-                      <a14:useLocalDpi xmlns:a14="http://schemas.microsoft.com/office/drawing/2010/main" val="0"/>
-                    </a:ext>
-                  </a:extLst>
-                </a:blip>
-                <a:srcRect/>
-                <a:stretch>
-                  <a:fillRect/>
-                </a:stretch>
-              </p:blipFill>
-              <p:spPr bwMode="auto">
-                <a:xfrm>
-                  <a:off x="3189767" y="0"/>
-                  <a:ext cx="1110615" cy="618490"/>
-                </a:xfrm>
-                <a:prstGeom prst="rect">
-                  <a:avLst/>
-                </a:prstGeom>
-                <a:noFill/>
-                <a:ln>
-                  <a:noFill/>
-                </a:ln>
-              </p:spPr>
-            </p:pic>
-            <p:pic>
-              <p:nvPicPr>
-                <p:cNvPr id="29" name="Picture 28" descr="C:\Users\marvola\AppData\Local\Microsoft\Windows\INetCache\Content.Word\venu_logo.jpg"/>
-                <p:cNvPicPr>
-                  <a:picLocks noChangeAspect="1"/>
-                </p:cNvPicPr>
-                <p:nvPr userDrawn="1"/>
-              </p:nvPicPr>
-              <p:blipFill>
-                <a:blip r:embed="rId9">
-                  <a:extLst>
-                    <a:ext uri="{28A0092B-C50C-407E-A947-70E740481C1C}">
-                      <a14:useLocalDpi xmlns:a14="http://schemas.microsoft.com/office/drawing/2010/main" val="0"/>
-                    </a:ext>
-                  </a:extLst>
-                </a:blip>
-                <a:srcRect/>
-                <a:stretch>
-                  <a:fillRect/>
-                </a:stretch>
-              </p:blipFill>
-              <p:spPr bwMode="auto">
-                <a:xfrm>
-                  <a:off x="2339163" y="63795"/>
-                  <a:ext cx="535940" cy="535940"/>
-                </a:xfrm>
-                <a:prstGeom prst="rect">
-                  <a:avLst/>
-                </a:prstGeom>
-                <a:noFill/>
-                <a:ln>
-                  <a:noFill/>
-                </a:ln>
-              </p:spPr>
-            </p:pic>
-          </p:grpSp>
-          <p:grpSp>
-            <p:nvGrpSpPr>
-              <p:cNvPr id="23" name="Group 22"/>
-              <p:cNvGrpSpPr/>
-              <p:nvPr userDrawn="1"/>
-            </p:nvGrpSpPr>
-            <p:grpSpPr>
-              <a:xfrm>
-                <a:off x="7764462" y="6121740"/>
-                <a:ext cx="3817938" cy="549275"/>
-                <a:chOff x="-80963" y="879475"/>
-                <a:chExt cx="3817938" cy="549275"/>
-              </a:xfrm>
-            </p:grpSpPr>
-            <p:pic>
-              <p:nvPicPr>
-                <p:cNvPr id="24" name="Picture 5" descr="EU flag horizontal RGB"/>
-                <p:cNvPicPr>
-                  <a:picLocks noChangeAspect="1" noChangeArrowheads="1"/>
-                </p:cNvPicPr>
-                <p:nvPr userDrawn="1"/>
-              </p:nvPicPr>
-              <p:blipFill>
-                <a:blip r:embed="rId10" cstate="print">
-                  <a:extLst>
-                    <a:ext uri="{28A0092B-C50C-407E-A947-70E740481C1C}">
-                      <a14:useLocalDpi xmlns:a14="http://schemas.microsoft.com/office/drawing/2010/main" val="0"/>
-                    </a:ext>
-                  </a:extLst>
-                </a:blip>
-                <a:srcRect/>
-                <a:stretch>
-                  <a:fillRect/>
-                </a:stretch>
-              </p:blipFill>
-              <p:spPr bwMode="auto">
-                <a:xfrm>
-                  <a:off x="2228850" y="896938"/>
-                  <a:ext cx="1508125" cy="411162"/>
-                </a:xfrm>
-                <a:prstGeom prst="rect">
-                  <a:avLst/>
-                </a:prstGeom>
-                <a:noFill/>
-                <a:extLst>
-                  <a:ext uri="{909E8E84-426E-40DD-AFC4-6F175D3DCCD1}">
-                    <a14:hiddenFill xmlns:a14="http://schemas.microsoft.com/office/drawing/2010/main">
-                      <a:solidFill>
-                        <a:srgbClr val="FFFFFF"/>
-                      </a:solidFill>
-                    </a14:hiddenFill>
-                  </a:ext>
-                </a:extLst>
-              </p:spPr>
-            </p:pic>
-            <p:pic>
-              <p:nvPicPr>
-                <p:cNvPr id="25" name="Picture 4" descr="CB logo RGB"/>
-                <p:cNvPicPr>
-                  <a:picLocks noChangeAspect="1" noChangeArrowheads="1"/>
-                </p:cNvPicPr>
-                <p:nvPr userDrawn="1"/>
-              </p:nvPicPr>
-              <p:blipFill>
-                <a:blip r:embed="rId11" cstate="print">
-                  <a:extLst>
-                    <a:ext uri="{28A0092B-C50C-407E-A947-70E740481C1C}">
-                      <a14:useLocalDpi xmlns:a14="http://schemas.microsoft.com/office/drawing/2010/main" val="0"/>
-                    </a:ext>
-                  </a:extLst>
-                </a:blip>
-                <a:srcRect/>
-                <a:stretch>
-                  <a:fillRect/>
-                </a:stretch>
-              </p:blipFill>
-              <p:spPr bwMode="auto">
-                <a:xfrm>
-                  <a:off x="-80963" y="879475"/>
-                  <a:ext cx="1820863" cy="549275"/>
-                </a:xfrm>
-                <a:prstGeom prst="rect">
-                  <a:avLst/>
-                </a:prstGeom>
-                <a:noFill/>
-                <a:extLst>
-                  <a:ext uri="{909E8E84-426E-40DD-AFC4-6F175D3DCCD1}">
-                    <a14:hiddenFill xmlns:a14="http://schemas.microsoft.com/office/drawing/2010/main">
-                      <a:solidFill>
-                        <a:srgbClr val="FFFFFF"/>
-                      </a:solidFill>
-                    </a14:hiddenFill>
-                  </a:ext>
-                </a:extLst>
-              </p:spPr>
-            </p:pic>
-          </p:grpSp>
-        </p:grpSp>
-      </p:grpSp>
     </p:spTree>
     <p:extLst>
       <p:ext uri="{BB962C8B-B14F-4D97-AF65-F5344CB8AC3E}">
-        <p14:creationId xmlns:p14="http://schemas.microsoft.com/office/powerpoint/2010/main" val="2604212404"/>
+        <p14:creationId xmlns:p14="http://schemas.microsoft.com/office/powerpoint/2010/main" val="1432324881"/>
       </p:ext>
     </p:extLst>
   </p:cSld>
@@ -1580,8 +3201,8 @@
         </p:nvSpPr>
         <p:spPr>
           <a:xfrm>
-            <a:off x="838200" y="365125"/>
-            <a:ext cx="10515600" cy="1325563"/>
+            <a:off x="784133" y="365125"/>
+            <a:ext cx="10623734" cy="1325563"/>
           </a:xfrm>
           <a:prstGeom prst="rect">
             <a:avLst/>
@@ -1613,8 +3234,8 @@
         </p:nvSpPr>
         <p:spPr>
           <a:xfrm>
-            <a:off x="838200" y="1825625"/>
-            <a:ext cx="10515600" cy="4351338"/>
+            <a:off x="784133" y="1825625"/>
+            <a:ext cx="10623734" cy="4351338"/>
           </a:xfrm>
           <a:prstGeom prst="rect">
             <a:avLst/>
@@ -1675,7 +3296,7 @@
         </p:nvSpPr>
         <p:spPr>
           <a:xfrm>
-            <a:off x="838200" y="6356350"/>
+            <a:off x="784133" y="6356350"/>
             <a:ext cx="2743200" cy="365125"/>
           </a:xfrm>
           <a:prstGeom prst="rect">
@@ -1698,7 +3319,7 @@
           <a:p>
             <a:fld id="{B21DAA2D-CE9F-4856-8635-D1CB79F2EB72}" type="datetimeFigureOut">
               <a:rPr lang="fi-FI" smtClean="0"/>
-              <a:t>5.10.2015</a:t>
+              <a:t>3.3.2017</a:t>
             </a:fld>
             <a:endParaRPr lang="fi-FI"/>
           </a:p>
@@ -1753,7 +3374,7 @@
         </p:nvSpPr>
         <p:spPr>
           <a:xfrm>
-            <a:off x="8610600" y="6356350"/>
+            <a:off x="8664667" y="6356350"/>
             <a:ext cx="2743200" cy="365125"/>
           </a:xfrm>
           <a:prstGeom prst="rect">
@@ -1779,201 +3400,6 @@
               <a:t>‹#›</a:t>
             </a:fld>
             <a:endParaRPr lang="fi-FI"/>
-          </a:p>
-        </p:txBody>
-      </p:sp>
-      <p:sp>
-        <p:nvSpPr>
-          <p:cNvPr id="7" name="Rectangle 6"/>
-          <p:cNvSpPr/>
-          <p:nvPr userDrawn="1"/>
-        </p:nvSpPr>
-        <p:spPr>
-          <a:xfrm>
-            <a:off x="0" y="4065270"/>
-            <a:ext cx="107950" cy="1273810"/>
-          </a:xfrm>
-          <a:prstGeom prst="rect">
-            <a:avLst/>
-          </a:prstGeom>
-          <a:solidFill>
-            <a:srgbClr val="FFB600"/>
-          </a:solidFill>
-          <a:ln>
-            <a:noFill/>
-          </a:ln>
-        </p:spPr>
-        <p:style>
-          <a:lnRef idx="2">
-            <a:schemeClr val="accent1">
-              <a:shade val="50000"/>
-            </a:schemeClr>
-          </a:lnRef>
-          <a:fillRef idx="1">
-            <a:schemeClr val="accent1"/>
-          </a:fillRef>
-          <a:effectRef idx="0">
-            <a:schemeClr val="accent1"/>
-          </a:effectRef>
-          <a:fontRef idx="minor">
-            <a:schemeClr val="lt1"/>
-          </a:fontRef>
-        </p:style>
-        <p:txBody>
-          <a:bodyPr rot="0" spcFirstLastPara="0" vert="horz" wrap="square" lIns="91440" tIns="45720" rIns="91440" bIns="45720" numCol="1" spcCol="0" rtlCol="0" fromWordArt="0" anchor="ctr" anchorCtr="0" forceAA="0" compatLnSpc="1">
-            <a:prstTxWarp prst="textNoShape">
-              <a:avLst/>
-            </a:prstTxWarp>
-            <a:noAutofit/>
-          </a:bodyPr>
-          <a:lstStyle/>
-          <a:p>
-            <a:pPr algn="ctr">
-              <a:lnSpc>
-                <a:spcPct val="107000"/>
-              </a:lnSpc>
-              <a:spcAft>
-                <a:spcPts val="800"/>
-              </a:spcAft>
-            </a:pPr>
-            <a:r>
-              <a:rPr lang="fi-FI" sz="1100">
-                <a:effectLst/>
-                <a:ea typeface="Calibri" panose="020F0502020204030204" pitchFamily="34" charset="0"/>
-                <a:cs typeface="Times New Roman" panose="02020603050405020304" pitchFamily="18" charset="0"/>
-              </a:rPr>
-              <a:t> </a:t>
-            </a:r>
-          </a:p>
-        </p:txBody>
-      </p:sp>
-      <p:sp>
-        <p:nvSpPr>
-          <p:cNvPr id="8" name="Rectangle 7"/>
-          <p:cNvSpPr/>
-          <p:nvPr userDrawn="1"/>
-        </p:nvSpPr>
-        <p:spPr>
-          <a:xfrm>
-            <a:off x="0" y="0"/>
-            <a:ext cx="107950" cy="4081144"/>
-          </a:xfrm>
-          <a:prstGeom prst="rect">
-            <a:avLst/>
-          </a:prstGeom>
-          <a:solidFill>
-            <a:srgbClr val="34943F"/>
-          </a:solidFill>
-          <a:ln>
-            <a:noFill/>
-          </a:ln>
-        </p:spPr>
-        <p:style>
-          <a:lnRef idx="2">
-            <a:schemeClr val="accent1">
-              <a:shade val="50000"/>
-            </a:schemeClr>
-          </a:lnRef>
-          <a:fillRef idx="1">
-            <a:schemeClr val="accent1"/>
-          </a:fillRef>
-          <a:effectRef idx="0">
-            <a:schemeClr val="accent1"/>
-          </a:effectRef>
-          <a:fontRef idx="minor">
-            <a:schemeClr val="lt1"/>
-          </a:fontRef>
-        </p:style>
-        <p:txBody>
-          <a:bodyPr rot="0" spcFirstLastPara="0" vert="horz" wrap="square" lIns="91440" tIns="45720" rIns="91440" bIns="45720" numCol="1" spcCol="0" rtlCol="0" fromWordArt="0" anchor="ctr" anchorCtr="0" forceAA="0" compatLnSpc="1">
-            <a:prstTxWarp prst="textNoShape">
-              <a:avLst/>
-            </a:prstTxWarp>
-            <a:noAutofit/>
-          </a:bodyPr>
-          <a:lstStyle/>
-          <a:p>
-            <a:pPr algn="ctr">
-              <a:lnSpc>
-                <a:spcPct val="107000"/>
-              </a:lnSpc>
-              <a:spcAft>
-                <a:spcPts val="800"/>
-              </a:spcAft>
-            </a:pPr>
-            <a:r>
-              <a:rPr lang="fi-FI" sz="1100">
-                <a:effectLst/>
-                <a:ea typeface="Calibri" panose="020F0502020204030204" pitchFamily="34" charset="0"/>
-                <a:cs typeface="Times New Roman" panose="02020603050405020304" pitchFamily="18" charset="0"/>
-              </a:rPr>
-              <a:t> </a:t>
-            </a:r>
-          </a:p>
-        </p:txBody>
-      </p:sp>
-      <p:sp>
-        <p:nvSpPr>
-          <p:cNvPr id="9" name="Rectangle 8"/>
-          <p:cNvSpPr/>
-          <p:nvPr userDrawn="1"/>
-        </p:nvSpPr>
-        <p:spPr>
-          <a:xfrm>
-            <a:off x="0" y="5325745"/>
-            <a:ext cx="107950" cy="1532255"/>
-          </a:xfrm>
-          <a:prstGeom prst="rect">
-            <a:avLst/>
-          </a:prstGeom>
-          <a:solidFill>
-            <a:srgbClr val="0069AE"/>
-          </a:solidFill>
-          <a:ln>
-            <a:noFill/>
-          </a:ln>
-        </p:spPr>
-        <p:style>
-          <a:lnRef idx="2">
-            <a:schemeClr val="accent1">
-              <a:shade val="50000"/>
-            </a:schemeClr>
-          </a:lnRef>
-          <a:fillRef idx="1">
-            <a:schemeClr val="accent1"/>
-          </a:fillRef>
-          <a:effectRef idx="0">
-            <a:schemeClr val="accent1"/>
-          </a:effectRef>
-          <a:fontRef idx="minor">
-            <a:schemeClr val="lt1"/>
-          </a:fontRef>
-        </p:style>
-        <p:txBody>
-          <a:bodyPr rot="0" spcFirstLastPara="0" vert="horz" wrap="square" lIns="91440" tIns="45720" rIns="91440" bIns="45720" numCol="1" spcCol="0" rtlCol="0" fromWordArt="0" anchor="ctr" anchorCtr="0" forceAA="0" compatLnSpc="1">
-            <a:prstTxWarp prst="textNoShape">
-              <a:avLst/>
-            </a:prstTxWarp>
-            <a:noAutofit/>
-          </a:bodyPr>
-          <a:lstStyle/>
-          <a:p>
-            <a:pPr algn="ctr">
-              <a:lnSpc>
-                <a:spcPct val="107000"/>
-              </a:lnSpc>
-              <a:spcAft>
-                <a:spcPts val="800"/>
-              </a:spcAft>
-            </a:pPr>
-            <a:r>
-              <a:rPr lang="fi-FI" sz="1100">
-                <a:effectLst/>
-                <a:ea typeface="Calibri" panose="020F0502020204030204" pitchFamily="34" charset="0"/>
-                <a:cs typeface="Times New Roman" panose="02020603050405020304" pitchFamily="18" charset="0"/>
-              </a:rPr>
-              <a:t> </a:t>
-            </a:r>
           </a:p>
         </p:txBody>
       </p:sp>
@@ -2103,6 +3529,159 @@
           </a:p>
         </p:txBody>
       </p:sp>
+      <p:grpSp>
+        <p:nvGrpSpPr>
+          <p:cNvPr id="14" name="Group 13"/>
+          <p:cNvGrpSpPr/>
+          <p:nvPr userDrawn="1"/>
+        </p:nvGrpSpPr>
+        <p:grpSpPr>
+          <a:xfrm>
+            <a:off x="0" y="6813863"/>
+            <a:ext cx="12192000" cy="45719"/>
+            <a:chOff x="3798094" y="1784360"/>
+            <a:chExt cx="4591050" cy="71717"/>
+          </a:xfrm>
+        </p:grpSpPr>
+        <p:sp>
+          <p:nvSpPr>
+            <p:cNvPr id="15" name="Rectangle 14"/>
+            <p:cNvSpPr/>
+            <p:nvPr userDrawn="1"/>
+          </p:nvSpPr>
+          <p:spPr>
+            <a:xfrm>
+              <a:off x="4093369" y="1784360"/>
+              <a:ext cx="2876550" cy="71717"/>
+            </a:xfrm>
+            <a:prstGeom prst="rect">
+              <a:avLst/>
+            </a:prstGeom>
+            <a:solidFill>
+              <a:srgbClr val="1B71B8"/>
+            </a:solidFill>
+            <a:ln>
+              <a:noFill/>
+            </a:ln>
+          </p:spPr>
+          <p:style>
+            <a:lnRef idx="2">
+              <a:schemeClr val="accent1">
+                <a:shade val="50000"/>
+              </a:schemeClr>
+            </a:lnRef>
+            <a:fillRef idx="1">
+              <a:schemeClr val="accent1"/>
+            </a:fillRef>
+            <a:effectRef idx="0">
+              <a:schemeClr val="accent1"/>
+            </a:effectRef>
+            <a:fontRef idx="minor">
+              <a:schemeClr val="lt1"/>
+            </a:fontRef>
+          </p:style>
+          <p:txBody>
+            <a:bodyPr rtlCol="0" anchor="ctr"/>
+            <a:lstStyle/>
+            <a:p>
+              <a:pPr algn="ctr"/>
+              <a:endParaRPr lang="fi-FI"/>
+            </a:p>
+          </p:txBody>
+        </p:sp>
+        <p:sp>
+          <p:nvSpPr>
+            <p:cNvPr id="16" name="Rectangle 15"/>
+            <p:cNvSpPr/>
+            <p:nvPr userDrawn="1"/>
+          </p:nvSpPr>
+          <p:spPr>
+            <a:xfrm>
+              <a:off x="6969919" y="1784360"/>
+              <a:ext cx="1419225" cy="71717"/>
+            </a:xfrm>
+            <a:prstGeom prst="rect">
+              <a:avLst/>
+            </a:prstGeom>
+            <a:solidFill>
+              <a:srgbClr val="E30614"/>
+            </a:solidFill>
+            <a:ln>
+              <a:noFill/>
+            </a:ln>
+          </p:spPr>
+          <p:style>
+            <a:lnRef idx="2">
+              <a:schemeClr val="accent1">
+                <a:shade val="50000"/>
+              </a:schemeClr>
+            </a:lnRef>
+            <a:fillRef idx="1">
+              <a:schemeClr val="accent1"/>
+            </a:fillRef>
+            <a:effectRef idx="0">
+              <a:schemeClr val="accent1"/>
+            </a:effectRef>
+            <a:fontRef idx="minor">
+              <a:schemeClr val="lt1"/>
+            </a:fontRef>
+          </p:style>
+          <p:txBody>
+            <a:bodyPr rtlCol="0" anchor="ctr"/>
+            <a:lstStyle/>
+            <a:p>
+              <a:pPr algn="ctr"/>
+              <a:endParaRPr lang="fi-FI"/>
+            </a:p>
+          </p:txBody>
+        </p:sp>
+        <p:sp>
+          <p:nvSpPr>
+            <p:cNvPr id="17" name="Rectangle 16"/>
+            <p:cNvSpPr/>
+            <p:nvPr userDrawn="1"/>
+          </p:nvSpPr>
+          <p:spPr>
+            <a:xfrm>
+              <a:off x="3798094" y="1784360"/>
+              <a:ext cx="295275" cy="71717"/>
+            </a:xfrm>
+            <a:prstGeom prst="rect">
+              <a:avLst/>
+            </a:prstGeom>
+            <a:solidFill>
+              <a:srgbClr val="90B4D8"/>
+            </a:solidFill>
+            <a:ln>
+              <a:noFill/>
+            </a:ln>
+          </p:spPr>
+          <p:style>
+            <a:lnRef idx="2">
+              <a:schemeClr val="accent1">
+                <a:shade val="50000"/>
+              </a:schemeClr>
+            </a:lnRef>
+            <a:fillRef idx="1">
+              <a:schemeClr val="accent1"/>
+            </a:fillRef>
+            <a:effectRef idx="0">
+              <a:schemeClr val="accent1"/>
+            </a:effectRef>
+            <a:fontRef idx="minor">
+              <a:schemeClr val="lt1"/>
+            </a:fontRef>
+          </p:style>
+          <p:txBody>
+            <a:bodyPr rtlCol="0" anchor="ctr"/>
+            <a:lstStyle/>
+            <a:p>
+              <a:pPr algn="ctr"/>
+              <a:endParaRPr lang="fi-FI"/>
+            </a:p>
+          </p:txBody>
+        </p:sp>
+      </p:grpSp>
     </p:spTree>
     <p:extLst>
       <p:ext uri="{BB962C8B-B14F-4D97-AF65-F5344CB8AC3E}">
@@ -2114,7 +3693,10 @@
   <p:sldLayoutIdLst>
     <p:sldLayoutId id="2147483649" r:id="rId1"/>
     <p:sldLayoutId id="2147483650" r:id="rId2"/>
-    <p:sldLayoutId id="2147483651" r:id="rId3"/>
+    <p:sldLayoutId id="2147483653" r:id="rId3"/>
+    <p:sldLayoutId id="2147483655" r:id="rId4"/>
+    <p:sldLayoutId id="2147483651" r:id="rId5"/>
+    <p:sldLayoutId id="2147483652" r:id="rId6"/>
   </p:sldLayoutIdLst>
   <p:timing>
     <p:tnLst>
@@ -2438,6 +4020,18 @@
           <a:bodyPr/>
           <a:lstStyle/>
           <a:p>
+            <a:r>
+              <a:rPr lang="fi-FI" dirty="0" err="1" smtClean="0"/>
+              <a:t>Graphical</a:t>
+            </a:r>
+            <a:r>
+              <a:rPr lang="fi-FI" dirty="0" smtClean="0"/>
+              <a:t> </a:t>
+            </a:r>
+            <a:r>
+              <a:rPr lang="fi-FI" dirty="0" err="1" smtClean="0"/>
+              <a:t>guidelines</a:t>
+            </a:r>
             <a:endParaRPr lang="fi-FI" dirty="0"/>
           </a:p>
         </p:txBody>
@@ -2457,6 +4051,14 @@
           <a:bodyPr/>
           <a:lstStyle/>
           <a:p>
+            <a:r>
+              <a:rPr lang="fi-FI" dirty="0" err="1" smtClean="0"/>
+              <a:t>draft</a:t>
+            </a:r>
+            <a:r>
+              <a:rPr lang="fi-FI" dirty="0" smtClean="0"/>
+              <a:t> version</a:t>
+            </a:r>
             <a:endParaRPr lang="fi-FI" dirty="0"/>
           </a:p>
         </p:txBody>
@@ -2476,6 +4078,26 @@
           <a:bodyPr/>
           <a:lstStyle/>
           <a:p>
+            <a:r>
+              <a:rPr lang="fi-FI" dirty="0" smtClean="0"/>
+              <a:t>Mika Arvola, Turku </a:t>
+            </a:r>
+            <a:r>
+              <a:rPr lang="fi-FI" dirty="0" err="1" smtClean="0"/>
+              <a:t>University</a:t>
+            </a:r>
+            <a:r>
+              <a:rPr lang="fi-FI" dirty="0" smtClean="0"/>
+              <a:t> of </a:t>
+            </a:r>
+            <a:r>
+              <a:rPr lang="fi-FI" dirty="0" err="1" smtClean="0"/>
+              <a:t>Applied</a:t>
+            </a:r>
+            <a:r>
+              <a:rPr lang="fi-FI" dirty="0" smtClean="0"/>
+              <a:t> Sciences</a:t>
+            </a:r>
             <a:endParaRPr lang="fi-FI" dirty="0"/>
           </a:p>
         </p:txBody>
@@ -2532,7 +4154,15 @@
           <a:bodyPr/>
           <a:lstStyle/>
           <a:p>
-            <a:endParaRPr lang="fi-FI"/>
+            <a:r>
+              <a:rPr lang="fi-FI" dirty="0" smtClean="0"/>
+              <a:t>Content </a:t>
+            </a:r>
+            <a:r>
+              <a:rPr lang="fi-FI" dirty="0" err="1" smtClean="0"/>
+              <a:t>page</a:t>
+            </a:r>
+            <a:endParaRPr lang="fi-FI" dirty="0"/>
           </a:p>
         </p:txBody>
       </p:sp>
@@ -2551,7 +4181,53 @@
           <a:bodyPr/>
           <a:lstStyle/>
           <a:p>
-            <a:endParaRPr lang="fi-FI"/>
+            <a:r>
+              <a:rPr lang="fr-FR" dirty="0"/>
+              <a:t>Pamplemousse</a:t>
+            </a:r>
+          </a:p>
+          <a:p>
+            <a:r>
+              <a:rPr lang="fr-FR" dirty="0"/>
+              <a:t>Ananas</a:t>
+            </a:r>
+          </a:p>
+          <a:p>
+            <a:r>
+              <a:rPr lang="fr-FR" dirty="0"/>
+              <a:t>Jus d'orange</a:t>
+            </a:r>
+          </a:p>
+          <a:p>
+            <a:r>
+              <a:rPr lang="fr-FR" dirty="0" err="1"/>
+              <a:t>Boeuf</a:t>
+            </a:r>
+            <a:endParaRPr lang="fr-FR" dirty="0"/>
+          </a:p>
+          <a:p>
+            <a:r>
+              <a:rPr lang="fr-FR" dirty="0"/>
+              <a:t>Soupe du jour</a:t>
+            </a:r>
+          </a:p>
+          <a:p>
+            <a:r>
+              <a:rPr lang="fr-FR" dirty="0"/>
+              <a:t>Camembert</a:t>
+            </a:r>
+          </a:p>
+          <a:p>
+            <a:r>
+              <a:rPr lang="fr-FR" dirty="0"/>
+              <a:t>Jacques Cousteau</a:t>
+            </a:r>
+          </a:p>
+          <a:p>
+            <a:r>
+              <a:rPr lang="fr-FR" dirty="0"/>
+              <a:t>Baguette</a:t>
+            </a:r>
           </a:p>
         </p:txBody>
       </p:sp>
@@ -2594,12 +4270,12 @@
       </p:grpSpPr>
       <p:sp>
         <p:nvSpPr>
-          <p:cNvPr id="2" name="Subtitle 1"/>
+          <p:cNvPr id="2" name="Title 1"/>
           <p:cNvSpPr>
             <a:spLocks noGrp="1"/>
           </p:cNvSpPr>
           <p:nvPr>
-            <p:ph type="subTitle" idx="10"/>
+            <p:ph type="title"/>
           </p:nvPr>
         </p:nvSpPr>
         <p:spPr/>
@@ -2607,7 +4283,839 @@
           <a:bodyPr/>
           <a:lstStyle/>
           <a:p>
+            <a:r>
+              <a:rPr lang="fi-FI" dirty="0" err="1" smtClean="0"/>
+              <a:t>Different</a:t>
+            </a:r>
+            <a:r>
+              <a:rPr lang="fi-FI" dirty="0" smtClean="0"/>
+              <a:t> </a:t>
+            </a:r>
+            <a:r>
+              <a:rPr lang="fi-FI" dirty="0" err="1" smtClean="0"/>
+              <a:t>slides</a:t>
+            </a:r>
+            <a:endParaRPr lang="fi-FI" dirty="0"/>
+          </a:p>
+        </p:txBody>
+      </p:sp>
+      <p:pic>
+        <p:nvPicPr>
+          <p:cNvPr id="6" name="Picture 5" descr="Screen Clipping"/>
+          <p:cNvPicPr>
+            <a:picLocks noChangeAspect="1"/>
+          </p:cNvPicPr>
+          <p:nvPr/>
+        </p:nvPicPr>
+        <p:blipFill>
+          <a:blip r:embed="rId2">
+            <a:extLst>
+              <a:ext uri="{28A0092B-C50C-407E-A947-70E740481C1C}">
+                <a14:useLocalDpi xmlns:a14="http://schemas.microsoft.com/office/drawing/2010/main" val="0"/>
+              </a:ext>
+            </a:extLst>
+          </a:blip>
+          <a:stretch>
+            <a:fillRect/>
+          </a:stretch>
+        </p:blipFill>
+        <p:spPr>
+          <a:xfrm>
+            <a:off x="784133" y="1690688"/>
+            <a:ext cx="4925112" cy="4296375"/>
+          </a:xfrm>
+          <a:prstGeom prst="rect">
+            <a:avLst/>
+          </a:prstGeom>
+        </p:spPr>
+      </p:pic>
+    </p:spTree>
+    <p:extLst>
+      <p:ext uri="{BB962C8B-B14F-4D97-AF65-F5344CB8AC3E}">
+        <p14:creationId xmlns:p14="http://schemas.microsoft.com/office/powerpoint/2010/main" val="1762415894"/>
+      </p:ext>
+    </p:extLst>
+  </p:cSld>
+  <p:clrMapOvr>
+    <a:masterClrMapping/>
+  </p:clrMapOvr>
+  <p:timing>
+    <p:tnLst>
+      <p:par>
+        <p:cTn id="1" dur="indefinite" restart="never" nodeType="tmRoot"/>
+      </p:par>
+    </p:tnLst>
+  </p:timing>
+</p:sld>
+</file>
+
+<file path=ppt/slides/slide4.xml><?xml version="1.0" encoding="utf-8"?>
+<p:sld xmlns:a="http://schemas.openxmlformats.org/drawingml/2006/main" xmlns:r="http://schemas.openxmlformats.org/officeDocument/2006/relationships" xmlns:p="http://schemas.openxmlformats.org/presentationml/2006/main">
+  <p:cSld>
+    <p:spTree>
+      <p:nvGrpSpPr>
+        <p:cNvPr id="1" name=""/>
+        <p:cNvGrpSpPr/>
+        <p:nvPr/>
+      </p:nvGrpSpPr>
+      <p:grpSpPr>
+        <a:xfrm>
+          <a:off x="0" y="0"/>
+          <a:ext cx="0" cy="0"/>
+          <a:chOff x="0" y="0"/>
+          <a:chExt cx="0" cy="0"/>
+        </a:xfrm>
+      </p:grpSpPr>
+      <p:sp>
+        <p:nvSpPr>
+          <p:cNvPr id="2" name="Title 1"/>
+          <p:cNvSpPr>
+            <a:spLocks noGrp="1"/>
+          </p:cNvSpPr>
+          <p:nvPr>
+            <p:ph type="title"/>
+          </p:nvPr>
+        </p:nvSpPr>
+        <p:spPr/>
+        <p:txBody>
+          <a:bodyPr/>
+          <a:lstStyle/>
+          <a:p>
+            <a:r>
+              <a:rPr lang="fi-FI" dirty="0" smtClean="0"/>
+              <a:t>Content </a:t>
+            </a:r>
+            <a:r>
+              <a:rPr lang="fi-FI" dirty="0" err="1" smtClean="0"/>
+              <a:t>page</a:t>
+            </a:r>
+            <a:endParaRPr lang="fi-FI" dirty="0"/>
+          </a:p>
+        </p:txBody>
+      </p:sp>
+      <p:sp>
+        <p:nvSpPr>
+          <p:cNvPr id="3" name="Content Placeholder 2"/>
+          <p:cNvSpPr>
+            <a:spLocks noGrp="1"/>
+          </p:cNvSpPr>
+          <p:nvPr>
+            <p:ph idx="1"/>
+          </p:nvPr>
+        </p:nvSpPr>
+        <p:spPr/>
+        <p:txBody>
+          <a:bodyPr/>
+          <a:lstStyle/>
+          <a:p>
+            <a:r>
+              <a:rPr lang="fr-FR" dirty="0" smtClean="0"/>
+              <a:t>Word / Powerpoint –</a:t>
+            </a:r>
+            <a:r>
+              <a:rPr lang="fr-FR" dirty="0" err="1" smtClean="0"/>
+              <a:t>templates</a:t>
+            </a:r>
+            <a:endParaRPr lang="fr-FR" dirty="0" smtClean="0"/>
+          </a:p>
+          <a:p>
+            <a:r>
+              <a:rPr lang="fr-FR" dirty="0" err="1" smtClean="0"/>
+              <a:t>GoogleDocs</a:t>
+            </a:r>
+            <a:r>
+              <a:rPr lang="fr-FR" dirty="0" smtClean="0"/>
+              <a:t> –</a:t>
+            </a:r>
+            <a:r>
+              <a:rPr lang="fr-FR" dirty="0" err="1" smtClean="0"/>
+              <a:t>templates</a:t>
+            </a:r>
+            <a:endParaRPr lang="fr-FR" dirty="0" smtClean="0"/>
+          </a:p>
+          <a:p>
+            <a:r>
+              <a:rPr lang="fr-FR" dirty="0" err="1" smtClean="0"/>
+              <a:t>Different</a:t>
+            </a:r>
+            <a:r>
+              <a:rPr lang="fr-FR" dirty="0" smtClean="0"/>
+              <a:t> logos (RGB, CMYK / PNG, AI, PDF / BW / </a:t>
+            </a:r>
+            <a:r>
+              <a:rPr lang="fr-FR" dirty="0" err="1" smtClean="0"/>
+              <a:t>Inverted</a:t>
+            </a:r>
+            <a:r>
+              <a:rPr lang="fr-FR" dirty="0" smtClean="0"/>
+              <a:t>)</a:t>
+            </a:r>
+          </a:p>
+          <a:p>
+            <a:endParaRPr lang="fr-FR" dirty="0"/>
+          </a:p>
+        </p:txBody>
+      </p:sp>
+    </p:spTree>
+    <p:extLst>
+      <p:ext uri="{BB962C8B-B14F-4D97-AF65-F5344CB8AC3E}">
+        <p14:creationId xmlns:p14="http://schemas.microsoft.com/office/powerpoint/2010/main" val="1357615224"/>
+      </p:ext>
+    </p:extLst>
+  </p:cSld>
+  <p:clrMapOvr>
+    <a:masterClrMapping/>
+  </p:clrMapOvr>
+  <p:timing>
+    <p:tnLst>
+      <p:par>
+        <p:cTn id="1" dur="indefinite" restart="never" nodeType="tmRoot"/>
+      </p:par>
+    </p:tnLst>
+  </p:timing>
+</p:sld>
+</file>
+
+<file path=ppt/slides/slide5.xml><?xml version="1.0" encoding="utf-8"?>
+<p:sld xmlns:a="http://schemas.openxmlformats.org/drawingml/2006/main" xmlns:r="http://schemas.openxmlformats.org/officeDocument/2006/relationships" xmlns:p="http://schemas.openxmlformats.org/presentationml/2006/main">
+  <p:cSld>
+    <p:spTree>
+      <p:nvGrpSpPr>
+        <p:cNvPr id="1" name=""/>
+        <p:cNvGrpSpPr/>
+        <p:nvPr/>
+      </p:nvGrpSpPr>
+      <p:grpSpPr>
+        <a:xfrm>
+          <a:off x="0" y="0"/>
+          <a:ext cx="0" cy="0"/>
+          <a:chOff x="0" y="0"/>
+          <a:chExt cx="0" cy="0"/>
+        </a:xfrm>
+      </p:grpSpPr>
+      <p:sp>
+        <p:nvSpPr>
+          <p:cNvPr id="2" name="Title 1"/>
+          <p:cNvSpPr>
+            <a:spLocks noGrp="1"/>
+          </p:cNvSpPr>
+          <p:nvPr>
+            <p:ph type="title"/>
+          </p:nvPr>
+        </p:nvSpPr>
+        <p:spPr/>
+        <p:txBody>
+          <a:bodyPr/>
+          <a:lstStyle/>
+          <a:p>
+            <a:r>
+              <a:rPr lang="fi-FI" dirty="0" err="1" smtClean="0"/>
+              <a:t>Unsorted</a:t>
+            </a:r>
+            <a:r>
+              <a:rPr lang="fi-FI" dirty="0" smtClean="0"/>
+              <a:t> </a:t>
+            </a:r>
+            <a:r>
+              <a:rPr lang="fi-FI" dirty="0" err="1" smtClean="0"/>
+              <a:t>list</a:t>
+            </a:r>
+            <a:endParaRPr lang="fi-FI" dirty="0"/>
+          </a:p>
+        </p:txBody>
+      </p:sp>
+      <p:sp>
+        <p:nvSpPr>
+          <p:cNvPr id="3" name="Content Placeholder 2"/>
+          <p:cNvSpPr>
+            <a:spLocks noGrp="1"/>
+          </p:cNvSpPr>
+          <p:nvPr>
+            <p:ph idx="1"/>
+          </p:nvPr>
+        </p:nvSpPr>
+        <p:spPr/>
+        <p:txBody>
+          <a:bodyPr/>
+          <a:lstStyle/>
+          <a:p>
+            <a:r>
+              <a:rPr lang="fr-FR" dirty="0"/>
+              <a:t>Pamplemousse</a:t>
+            </a:r>
+          </a:p>
+          <a:p>
+            <a:r>
+              <a:rPr lang="fr-FR" dirty="0"/>
+              <a:t>Ananas</a:t>
+            </a:r>
+          </a:p>
+          <a:p>
+            <a:r>
+              <a:rPr lang="fr-FR" dirty="0"/>
+              <a:t>Jus d'orange</a:t>
+            </a:r>
+          </a:p>
+          <a:p>
+            <a:r>
+              <a:rPr lang="fr-FR" dirty="0" err="1"/>
+              <a:t>Boeuf</a:t>
+            </a:r>
+            <a:endParaRPr lang="fr-FR" dirty="0"/>
+          </a:p>
+          <a:p>
+            <a:r>
+              <a:rPr lang="fr-FR" dirty="0"/>
+              <a:t>Soupe du jour</a:t>
+            </a:r>
+          </a:p>
+          <a:p>
+            <a:r>
+              <a:rPr lang="fr-FR" dirty="0"/>
+              <a:t>Camembert</a:t>
+            </a:r>
+          </a:p>
+          <a:p>
+            <a:r>
+              <a:rPr lang="fr-FR" dirty="0"/>
+              <a:t>Jacques Cousteau</a:t>
+            </a:r>
+          </a:p>
+          <a:p>
+            <a:r>
+              <a:rPr lang="fr-FR" dirty="0" smtClean="0"/>
+              <a:t>Baguette</a:t>
+            </a:r>
+            <a:endParaRPr lang="fi-FI" dirty="0"/>
+          </a:p>
+        </p:txBody>
+      </p:sp>
+      <p:sp>
+        <p:nvSpPr>
+          <p:cNvPr id="4" name="Content Placeholder 3"/>
+          <p:cNvSpPr>
+            <a:spLocks noGrp="1"/>
+          </p:cNvSpPr>
+          <p:nvPr>
+            <p:ph idx="10"/>
+          </p:nvPr>
+        </p:nvSpPr>
+        <p:spPr/>
+        <p:txBody>
+          <a:bodyPr/>
+          <a:lstStyle/>
+          <a:p>
+            <a:r>
+              <a:rPr lang="fr-FR" dirty="0"/>
+              <a:t>Pamplemousse</a:t>
+            </a:r>
+          </a:p>
+          <a:p>
+            <a:r>
+              <a:rPr lang="fr-FR" dirty="0"/>
+              <a:t>Ananas</a:t>
+            </a:r>
+          </a:p>
+          <a:p>
+            <a:r>
+              <a:rPr lang="fr-FR" dirty="0"/>
+              <a:t>Jus d'orange</a:t>
+            </a:r>
+          </a:p>
+          <a:p>
+            <a:r>
+              <a:rPr lang="fr-FR" dirty="0" err="1"/>
+              <a:t>Boeuf</a:t>
+            </a:r>
+            <a:endParaRPr lang="fr-FR" dirty="0"/>
+          </a:p>
+          <a:p>
+            <a:r>
+              <a:rPr lang="fr-FR" dirty="0"/>
+              <a:t>Soupe du jour</a:t>
+            </a:r>
+          </a:p>
+          <a:p>
+            <a:r>
+              <a:rPr lang="fr-FR" dirty="0"/>
+              <a:t>Camembert</a:t>
+            </a:r>
+          </a:p>
+          <a:p>
+            <a:r>
+              <a:rPr lang="fr-FR" dirty="0"/>
+              <a:t>Jacques Cousteau</a:t>
+            </a:r>
+          </a:p>
+          <a:p>
+            <a:r>
+              <a:rPr lang="fr-FR" dirty="0" smtClean="0"/>
+              <a:t>Baguette</a:t>
+            </a:r>
+            <a:endParaRPr lang="fi-FI" dirty="0"/>
+          </a:p>
+        </p:txBody>
+      </p:sp>
+      <p:sp>
+        <p:nvSpPr>
+          <p:cNvPr id="5" name="Content Placeholder 4"/>
+          <p:cNvSpPr>
+            <a:spLocks noGrp="1"/>
+          </p:cNvSpPr>
+          <p:nvPr>
+            <p:ph idx="11"/>
+          </p:nvPr>
+        </p:nvSpPr>
+        <p:spPr/>
+        <p:txBody>
+          <a:bodyPr/>
+          <a:lstStyle/>
+          <a:p>
+            <a:r>
+              <a:rPr lang="fr-FR" dirty="0"/>
+              <a:t>Pamplemousse</a:t>
+            </a:r>
+          </a:p>
+          <a:p>
+            <a:r>
+              <a:rPr lang="fr-FR" dirty="0"/>
+              <a:t>Ananas</a:t>
+            </a:r>
+          </a:p>
+          <a:p>
+            <a:r>
+              <a:rPr lang="fr-FR" dirty="0"/>
+              <a:t>Jus d'orange</a:t>
+            </a:r>
+          </a:p>
+          <a:p>
+            <a:r>
+              <a:rPr lang="fr-FR" dirty="0" err="1"/>
+              <a:t>Boeuf</a:t>
+            </a:r>
+            <a:endParaRPr lang="fr-FR" dirty="0"/>
+          </a:p>
+          <a:p>
+            <a:r>
+              <a:rPr lang="fr-FR" dirty="0"/>
+              <a:t>Soupe du jour</a:t>
+            </a:r>
+          </a:p>
+          <a:p>
+            <a:r>
+              <a:rPr lang="fr-FR" dirty="0"/>
+              <a:t>Camembert</a:t>
+            </a:r>
+          </a:p>
+          <a:p>
+            <a:r>
+              <a:rPr lang="fr-FR" dirty="0"/>
+              <a:t>Jacques Cousteau</a:t>
+            </a:r>
+          </a:p>
+          <a:p>
+            <a:r>
+              <a:rPr lang="fr-FR" dirty="0" smtClean="0"/>
+              <a:t>Baguette</a:t>
+            </a:r>
+            <a:endParaRPr lang="fi-FI" dirty="0"/>
+          </a:p>
+        </p:txBody>
+      </p:sp>
+    </p:spTree>
+    <p:extLst>
+      <p:ext uri="{BB962C8B-B14F-4D97-AF65-F5344CB8AC3E}">
+        <p14:creationId xmlns:p14="http://schemas.microsoft.com/office/powerpoint/2010/main" val="2750413510"/>
+      </p:ext>
+    </p:extLst>
+  </p:cSld>
+  <p:clrMapOvr>
+    <a:masterClrMapping/>
+  </p:clrMapOvr>
+  <p:timing>
+    <p:tnLst>
+      <p:par>
+        <p:cTn id="1" dur="indefinite" restart="never" nodeType="tmRoot"/>
+      </p:par>
+    </p:tnLst>
+  </p:timing>
+</p:sld>
+</file>
+
+<file path=ppt/slides/slide6.xml><?xml version="1.0" encoding="utf-8"?>
+<p:sld xmlns:a="http://schemas.openxmlformats.org/drawingml/2006/main" xmlns:r="http://schemas.openxmlformats.org/officeDocument/2006/relationships" xmlns:p="http://schemas.openxmlformats.org/presentationml/2006/main">
+  <p:cSld>
+    <p:spTree>
+      <p:nvGrpSpPr>
+        <p:cNvPr id="1" name=""/>
+        <p:cNvGrpSpPr/>
+        <p:nvPr/>
+      </p:nvGrpSpPr>
+      <p:grpSpPr>
+        <a:xfrm>
+          <a:off x="0" y="0"/>
+          <a:ext cx="0" cy="0"/>
+          <a:chOff x="0" y="0"/>
+          <a:chExt cx="0" cy="0"/>
+        </a:xfrm>
+      </p:grpSpPr>
+      <p:sp>
+        <p:nvSpPr>
+          <p:cNvPr id="2" name="Title 1"/>
+          <p:cNvSpPr>
+            <a:spLocks noGrp="1"/>
+          </p:cNvSpPr>
+          <p:nvPr>
+            <p:ph type="title"/>
+          </p:nvPr>
+        </p:nvSpPr>
+        <p:spPr/>
+        <p:txBody>
+          <a:bodyPr/>
+          <a:lstStyle/>
+          <a:p>
             <a:endParaRPr lang="fi-FI"/>
+          </a:p>
+        </p:txBody>
+      </p:sp>
+      <p:sp>
+        <p:nvSpPr>
+          <p:cNvPr id="3" name="Content Placeholder 2"/>
+          <p:cNvSpPr>
+            <a:spLocks noGrp="1"/>
+          </p:cNvSpPr>
+          <p:nvPr>
+            <p:ph idx="1"/>
+          </p:nvPr>
+        </p:nvSpPr>
+        <p:spPr/>
+        <p:txBody>
+          <a:bodyPr>
+            <a:normAutofit fontScale="70000" lnSpcReduction="20000"/>
+          </a:bodyPr>
+          <a:lstStyle/>
+          <a:p>
+            <a:r>
+              <a:rPr lang="fr-FR" dirty="0"/>
+              <a:t>Pamplemousse</a:t>
+            </a:r>
+          </a:p>
+          <a:p>
+            <a:r>
+              <a:rPr lang="fr-FR" dirty="0"/>
+              <a:t>Ananas</a:t>
+            </a:r>
+          </a:p>
+          <a:p>
+            <a:r>
+              <a:rPr lang="fr-FR" dirty="0"/>
+              <a:t>Jus d'orange</a:t>
+            </a:r>
+          </a:p>
+          <a:p>
+            <a:r>
+              <a:rPr lang="fr-FR" dirty="0" err="1"/>
+              <a:t>Boeuf</a:t>
+            </a:r>
+            <a:endParaRPr lang="fr-FR" dirty="0"/>
+          </a:p>
+          <a:p>
+            <a:r>
+              <a:rPr lang="fr-FR" dirty="0"/>
+              <a:t>Soupe du jour</a:t>
+            </a:r>
+          </a:p>
+          <a:p>
+            <a:r>
+              <a:rPr lang="fr-FR" dirty="0"/>
+              <a:t>Camembert</a:t>
+            </a:r>
+          </a:p>
+          <a:p>
+            <a:r>
+              <a:rPr lang="fr-FR" dirty="0"/>
+              <a:t>Jacques Cousteau</a:t>
+            </a:r>
+          </a:p>
+          <a:p>
+            <a:r>
+              <a:rPr lang="fr-FR" dirty="0" smtClean="0"/>
+              <a:t>Baguette</a:t>
+            </a:r>
+            <a:endParaRPr lang="fr-FR" dirty="0"/>
+          </a:p>
+        </p:txBody>
+      </p:sp>
+      <p:sp>
+        <p:nvSpPr>
+          <p:cNvPr id="4" name="Content Placeholder 3"/>
+          <p:cNvSpPr>
+            <a:spLocks noGrp="1"/>
+          </p:cNvSpPr>
+          <p:nvPr>
+            <p:ph idx="10"/>
+          </p:nvPr>
+        </p:nvSpPr>
+        <p:spPr/>
+        <p:txBody>
+          <a:bodyPr>
+            <a:normAutofit fontScale="70000" lnSpcReduction="20000"/>
+          </a:bodyPr>
+          <a:lstStyle/>
+          <a:p>
+            <a:r>
+              <a:rPr lang="fr-FR" dirty="0"/>
+              <a:t>Pamplemousse</a:t>
+            </a:r>
+          </a:p>
+          <a:p>
+            <a:r>
+              <a:rPr lang="fr-FR" dirty="0"/>
+              <a:t>Ananas</a:t>
+            </a:r>
+          </a:p>
+          <a:p>
+            <a:r>
+              <a:rPr lang="fr-FR" dirty="0"/>
+              <a:t>Jus d'orange</a:t>
+            </a:r>
+          </a:p>
+          <a:p>
+            <a:r>
+              <a:rPr lang="fr-FR" dirty="0" err="1"/>
+              <a:t>Boeuf</a:t>
+            </a:r>
+            <a:endParaRPr lang="fr-FR" dirty="0"/>
+          </a:p>
+          <a:p>
+            <a:r>
+              <a:rPr lang="fr-FR" dirty="0"/>
+              <a:t>Soupe du jour</a:t>
+            </a:r>
+          </a:p>
+          <a:p>
+            <a:r>
+              <a:rPr lang="fr-FR" dirty="0"/>
+              <a:t>Camembert</a:t>
+            </a:r>
+          </a:p>
+          <a:p>
+            <a:r>
+              <a:rPr lang="fr-FR" dirty="0"/>
+              <a:t>Jacques Cousteau</a:t>
+            </a:r>
+          </a:p>
+          <a:p>
+            <a:r>
+              <a:rPr lang="fr-FR" dirty="0" smtClean="0"/>
+              <a:t>Baguette</a:t>
+            </a:r>
+            <a:endParaRPr lang="fr-FR" dirty="0"/>
+          </a:p>
+        </p:txBody>
+      </p:sp>
+      <p:sp>
+        <p:nvSpPr>
+          <p:cNvPr id="5" name="Content Placeholder 4"/>
+          <p:cNvSpPr>
+            <a:spLocks noGrp="1"/>
+          </p:cNvSpPr>
+          <p:nvPr>
+            <p:ph idx="11"/>
+          </p:nvPr>
+        </p:nvSpPr>
+        <p:spPr/>
+        <p:txBody>
+          <a:bodyPr>
+            <a:normAutofit fontScale="70000" lnSpcReduction="20000"/>
+          </a:bodyPr>
+          <a:lstStyle/>
+          <a:p>
+            <a:r>
+              <a:rPr lang="fr-FR" dirty="0"/>
+              <a:t>Pamplemousse</a:t>
+            </a:r>
+          </a:p>
+          <a:p>
+            <a:r>
+              <a:rPr lang="fr-FR" dirty="0"/>
+              <a:t>Ananas</a:t>
+            </a:r>
+          </a:p>
+          <a:p>
+            <a:r>
+              <a:rPr lang="fr-FR" dirty="0"/>
+              <a:t>Jus d'orange</a:t>
+            </a:r>
+          </a:p>
+          <a:p>
+            <a:r>
+              <a:rPr lang="fr-FR" dirty="0" err="1"/>
+              <a:t>Boeuf</a:t>
+            </a:r>
+            <a:endParaRPr lang="fr-FR" dirty="0"/>
+          </a:p>
+          <a:p>
+            <a:r>
+              <a:rPr lang="fr-FR" dirty="0"/>
+              <a:t>Soupe du jour</a:t>
+            </a:r>
+          </a:p>
+          <a:p>
+            <a:r>
+              <a:rPr lang="fr-FR" dirty="0"/>
+              <a:t>Camembert</a:t>
+            </a:r>
+          </a:p>
+          <a:p>
+            <a:r>
+              <a:rPr lang="fr-FR" dirty="0"/>
+              <a:t>Jacques Cousteau</a:t>
+            </a:r>
+          </a:p>
+          <a:p>
+            <a:r>
+              <a:rPr lang="fr-FR" dirty="0" smtClean="0"/>
+              <a:t>Baguette</a:t>
+            </a:r>
+            <a:endParaRPr lang="fr-FR" dirty="0"/>
+          </a:p>
+        </p:txBody>
+      </p:sp>
+      <p:sp>
+        <p:nvSpPr>
+          <p:cNvPr id="6" name="Content Placeholder 5"/>
+          <p:cNvSpPr>
+            <a:spLocks noGrp="1"/>
+          </p:cNvSpPr>
+          <p:nvPr>
+            <p:ph idx="12"/>
+          </p:nvPr>
+        </p:nvSpPr>
+        <p:spPr/>
+        <p:txBody>
+          <a:bodyPr/>
+          <a:lstStyle/>
+          <a:p>
+            <a:r>
+              <a:rPr lang="en-US" dirty="0"/>
+              <a:t>Thanks to "Flight of the Conchords" for creating "</a:t>
+            </a:r>
+            <a:r>
+              <a:rPr lang="en-US" dirty="0" err="1"/>
+              <a:t>Foux</a:t>
+            </a:r>
+            <a:r>
+              <a:rPr lang="en-US" dirty="0"/>
+              <a:t> Du </a:t>
+            </a:r>
+            <a:r>
+              <a:rPr lang="en-US" dirty="0" err="1"/>
+              <a:t>Fafa</a:t>
+            </a:r>
+            <a:r>
+              <a:rPr lang="en-US" dirty="0"/>
+              <a:t>"</a:t>
+            </a:r>
+            <a:endParaRPr lang="fi-FI" dirty="0"/>
+          </a:p>
+        </p:txBody>
+      </p:sp>
+    </p:spTree>
+    <p:extLst>
+      <p:ext uri="{BB962C8B-B14F-4D97-AF65-F5344CB8AC3E}">
+        <p14:creationId xmlns:p14="http://schemas.microsoft.com/office/powerpoint/2010/main" val="911686573"/>
+      </p:ext>
+    </p:extLst>
+  </p:cSld>
+  <p:clrMapOvr>
+    <a:masterClrMapping/>
+  </p:clrMapOvr>
+  <p:timing>
+    <p:tnLst>
+      <p:par>
+        <p:cTn id="1" dur="indefinite" restart="never" nodeType="tmRoot"/>
+      </p:par>
+    </p:tnLst>
+  </p:timing>
+</p:sld>
+</file>
+
+<file path=ppt/slides/slide7.xml><?xml version="1.0" encoding="utf-8"?>
+<p:sld xmlns:a="http://schemas.openxmlformats.org/drawingml/2006/main" xmlns:r="http://schemas.openxmlformats.org/officeDocument/2006/relationships" xmlns:p="http://schemas.openxmlformats.org/presentationml/2006/main">
+  <p:cSld>
+    <p:spTree>
+      <p:nvGrpSpPr>
+        <p:cNvPr id="1" name=""/>
+        <p:cNvGrpSpPr/>
+        <p:nvPr/>
+      </p:nvGrpSpPr>
+      <p:grpSpPr>
+        <a:xfrm>
+          <a:off x="0" y="0"/>
+          <a:ext cx="0" cy="0"/>
+          <a:chOff x="0" y="0"/>
+          <a:chExt cx="0" cy="0"/>
+        </a:xfrm>
+      </p:grpSpPr>
+    </p:spTree>
+    <p:extLst>
+      <p:ext uri="{BB962C8B-B14F-4D97-AF65-F5344CB8AC3E}">
+        <p14:creationId xmlns:p14="http://schemas.microsoft.com/office/powerpoint/2010/main" val="4257170611"/>
+      </p:ext>
+    </p:extLst>
+  </p:cSld>
+  <p:clrMapOvr>
+    <a:masterClrMapping/>
+  </p:clrMapOvr>
+  <p:timing>
+    <p:tnLst>
+      <p:par>
+        <p:cTn id="1" dur="indefinite" restart="never" nodeType="tmRoot"/>
+      </p:par>
+    </p:tnLst>
+  </p:timing>
+</p:sld>
+</file>
+
+<file path=ppt/slides/slide8.xml><?xml version="1.0" encoding="utf-8"?>
+<p:sld xmlns:a="http://schemas.openxmlformats.org/drawingml/2006/main" xmlns:r="http://schemas.openxmlformats.org/officeDocument/2006/relationships" xmlns:p="http://schemas.openxmlformats.org/presentationml/2006/main">
+  <p:cSld>
+    <p:spTree>
+      <p:nvGrpSpPr>
+        <p:cNvPr id="1" name=""/>
+        <p:cNvGrpSpPr/>
+        <p:nvPr/>
+      </p:nvGrpSpPr>
+      <p:grpSpPr>
+        <a:xfrm>
+          <a:off x="0" y="0"/>
+          <a:ext cx="0" cy="0"/>
+          <a:chOff x="0" y="0"/>
+          <a:chExt cx="0" cy="0"/>
+        </a:xfrm>
+      </p:grpSpPr>
+      <p:sp>
+        <p:nvSpPr>
+          <p:cNvPr id="2" name="Subtitle 1"/>
+          <p:cNvSpPr>
+            <a:spLocks noGrp="1"/>
+          </p:cNvSpPr>
+          <p:nvPr>
+            <p:ph type="subTitle" idx="4294967295"/>
+          </p:nvPr>
+        </p:nvSpPr>
+        <p:spPr>
+          <a:xfrm>
+            <a:off x="2699121" y="3020502"/>
+            <a:ext cx="9144000" cy="587825"/>
+          </a:xfrm>
+        </p:spPr>
+        <p:txBody>
+          <a:bodyPr/>
+          <a:lstStyle/>
+          <a:p>
+            <a:endParaRPr lang="fi-FI" dirty="0"/>
           </a:p>
         </p:txBody>
       </p:sp>
